--- a/Slides/Module 4.pptx
+++ b/Slides/Module 4.pptx
@@ -5,19 +5,22 @@
     <p:sldMasterId id="2147483660" r:id="rId4"/>
   </p:sldMasterIdLst>
   <p:notesMasterIdLst>
-    <p:notesMasterId r:id="rId12"/>
+    <p:notesMasterId r:id="rId15"/>
   </p:notesMasterIdLst>
   <p:handoutMasterIdLst>
-    <p:handoutMasterId r:id="rId13"/>
+    <p:handoutMasterId r:id="rId16"/>
   </p:handoutMasterIdLst>
   <p:sldIdLst>
     <p:sldId id="277" r:id="rId5"/>
     <p:sldId id="278" r:id="rId6"/>
     <p:sldId id="284" r:id="rId7"/>
-    <p:sldId id="286" r:id="rId8"/>
-    <p:sldId id="288" r:id="rId9"/>
-    <p:sldId id="305" r:id="rId10"/>
-    <p:sldId id="302" r:id="rId11"/>
+    <p:sldId id="306" r:id="rId8"/>
+    <p:sldId id="286" r:id="rId9"/>
+    <p:sldId id="307" r:id="rId10"/>
+    <p:sldId id="309" r:id="rId11"/>
+    <p:sldId id="288" r:id="rId12"/>
+    <p:sldId id="305" r:id="rId13"/>
+    <p:sldId id="302" r:id="rId14"/>
   </p:sldIdLst>
   <p:sldSz cx="12192000" cy="6858000"/>
   <p:notesSz cx="6858000" cy="9144000"/>
@@ -118,10 +121,10 @@
   </p:defaultTextStyle>
   <p:extLst>
     <p:ext uri="{EFAFB233-063F-42B5-8137-9DF3F51BA10A}">
-      <p15:sldGuideLst xmlns:p15="http://schemas.microsoft.com/office/powerpoint/2012/main"/>
+      <p15:sldGuideLst xmlns:p15="http://schemas.microsoft.com/office/powerpoint/2012/main" xmlns=""/>
     </p:ext>
     <p:ext uri="{2D200454-40CA-4A62-9FC3-DE9A4176ACB9}">
-      <p15:notesGuideLst xmlns:p15="http://schemas.microsoft.com/office/powerpoint/2012/main"/>
+      <p15:notesGuideLst xmlns:p15="http://schemas.microsoft.com/office/powerpoint/2012/main" xmlns=""/>
     </p:ext>
   </p:extLst>
 </p:presentation>
@@ -209,7 +212,7 @@
           <a:p>
             <a:fld id="{312E7B4A-039C-48A2-9B2C-AF16AA3873D8}" type="datetimeFigureOut">
               <a:rPr lang="en-US" smtClean="0"/>
-              <a:t>11/25/2014</a:t>
+              <a:t>12/2/14</a:t>
             </a:fld>
             <a:endParaRPr lang="en-US"/>
           </a:p>
@@ -374,7 +377,7 @@
           <a:p>
             <a:fld id="{DA005A0C-54D9-45AA-87D4-C551D08DFCE1}" type="datetimeFigureOut">
               <a:rPr lang="en-US" smtClean="0"/>
-              <a:t>11/25/2014</a:t>
+              <a:t>12/2/14</a:t>
             </a:fld>
             <a:endParaRPr lang="en-US"/>
           </a:p>
@@ -973,7 +976,175 @@
           <a:p>
             <a:fld id="{4CFD207A-07DF-40AD-A916-9872E089CE7A}" type="slidenum">
               <a:rPr lang="en-US" smtClean="0"/>
+              <a:t>5</a:t>
+            </a:fld>
+            <a:endParaRPr lang="en-US"/>
+          </a:p>
+        </p:txBody>
+      </p:sp>
+    </p:spTree>
+    <p:extLst>
+      <p:ext uri="{BB962C8B-B14F-4D97-AF65-F5344CB8AC3E}">
+        <p14:creationId xmlns:p14="http://schemas.microsoft.com/office/powerpoint/2010/main" val="76419505"/>
+      </p:ext>
+    </p:extLst>
+  </p:cSld>
+  <p:clrMapOvr>
+    <a:masterClrMapping/>
+  </p:clrMapOvr>
+</p:notes>
+</file>
+
+<file path=ppt/notesSlides/notesSlide5.xml><?xml version="1.0" encoding="utf-8"?>
+<p:notes xmlns:a="http://schemas.openxmlformats.org/drawingml/2006/main" xmlns:r="http://schemas.openxmlformats.org/officeDocument/2006/relationships" xmlns:p="http://schemas.openxmlformats.org/presentationml/2006/main">
+  <p:cSld>
+    <p:spTree>
+      <p:nvGrpSpPr>
+        <p:cNvPr id="1" name=""/>
+        <p:cNvGrpSpPr/>
+        <p:nvPr/>
+      </p:nvGrpSpPr>
+      <p:grpSpPr>
+        <a:xfrm>
+          <a:off x="0" y="0"/>
+          <a:ext cx="0" cy="0"/>
+          <a:chOff x="0" y="0"/>
+          <a:chExt cx="0" cy="0"/>
+        </a:xfrm>
+      </p:grpSpPr>
+      <p:sp>
+        <p:nvSpPr>
+          <p:cNvPr id="2" name="Slide Image Placeholder 1"/>
+          <p:cNvSpPr>
+            <a:spLocks noGrp="1" noRot="1" noChangeAspect="1"/>
+          </p:cNvSpPr>
+          <p:nvPr>
+            <p:ph type="sldImg"/>
+          </p:nvPr>
+        </p:nvSpPr>
+        <p:spPr/>
+      </p:sp>
+      <p:sp>
+        <p:nvSpPr>
+          <p:cNvPr id="3" name="Notes Placeholder 2"/>
+          <p:cNvSpPr>
+            <a:spLocks noGrp="1"/>
+          </p:cNvSpPr>
+          <p:nvPr>
+            <p:ph type="body" idx="1"/>
+          </p:nvPr>
+        </p:nvSpPr>
+        <p:spPr/>
+        <p:txBody>
+          <a:bodyPr/>
+          <a:lstStyle/>
+          <a:p>
+            <a:endParaRPr lang="en-US" dirty="0"/>
+          </a:p>
+        </p:txBody>
+      </p:sp>
+      <p:sp>
+        <p:nvSpPr>
+          <p:cNvPr id="4" name="Slide Number Placeholder 3"/>
+          <p:cNvSpPr>
+            <a:spLocks noGrp="1"/>
+          </p:cNvSpPr>
+          <p:nvPr>
+            <p:ph type="sldNum" sz="quarter" idx="10"/>
+          </p:nvPr>
+        </p:nvSpPr>
+        <p:spPr/>
+        <p:txBody>
+          <a:bodyPr/>
+          <a:lstStyle/>
+          <a:p>
+            <a:fld id="{4CFD207A-07DF-40AD-A916-9872E089CE7A}" type="slidenum">
+              <a:rPr lang="en-US" smtClean="0"/>
               <a:t>6</a:t>
+            </a:fld>
+            <a:endParaRPr lang="en-US"/>
+          </a:p>
+        </p:txBody>
+      </p:sp>
+    </p:spTree>
+    <p:extLst>
+      <p:ext uri="{BB962C8B-B14F-4D97-AF65-F5344CB8AC3E}">
+        <p14:creationId xmlns:p14="http://schemas.microsoft.com/office/powerpoint/2010/main" val="76419505"/>
+      </p:ext>
+    </p:extLst>
+  </p:cSld>
+  <p:clrMapOvr>
+    <a:masterClrMapping/>
+  </p:clrMapOvr>
+</p:notes>
+</file>
+
+<file path=ppt/notesSlides/notesSlide6.xml><?xml version="1.0" encoding="utf-8"?>
+<p:notes xmlns:a="http://schemas.openxmlformats.org/drawingml/2006/main" xmlns:r="http://schemas.openxmlformats.org/officeDocument/2006/relationships" xmlns:p="http://schemas.openxmlformats.org/presentationml/2006/main">
+  <p:cSld>
+    <p:spTree>
+      <p:nvGrpSpPr>
+        <p:cNvPr id="1" name=""/>
+        <p:cNvGrpSpPr/>
+        <p:nvPr/>
+      </p:nvGrpSpPr>
+      <p:grpSpPr>
+        <a:xfrm>
+          <a:off x="0" y="0"/>
+          <a:ext cx="0" cy="0"/>
+          <a:chOff x="0" y="0"/>
+          <a:chExt cx="0" cy="0"/>
+        </a:xfrm>
+      </p:grpSpPr>
+      <p:sp>
+        <p:nvSpPr>
+          <p:cNvPr id="2" name="Slide Image Placeholder 1"/>
+          <p:cNvSpPr>
+            <a:spLocks noGrp="1" noRot="1" noChangeAspect="1"/>
+          </p:cNvSpPr>
+          <p:nvPr>
+            <p:ph type="sldImg"/>
+          </p:nvPr>
+        </p:nvSpPr>
+        <p:spPr/>
+      </p:sp>
+      <p:sp>
+        <p:nvSpPr>
+          <p:cNvPr id="3" name="Notes Placeholder 2"/>
+          <p:cNvSpPr>
+            <a:spLocks noGrp="1"/>
+          </p:cNvSpPr>
+          <p:nvPr>
+            <p:ph type="body" idx="1"/>
+          </p:nvPr>
+        </p:nvSpPr>
+        <p:spPr/>
+        <p:txBody>
+          <a:bodyPr/>
+          <a:lstStyle/>
+          <a:p>
+            <a:endParaRPr lang="en-US" dirty="0"/>
+          </a:p>
+        </p:txBody>
+      </p:sp>
+      <p:sp>
+        <p:nvSpPr>
+          <p:cNvPr id="4" name="Slide Number Placeholder 3"/>
+          <p:cNvSpPr>
+            <a:spLocks noGrp="1"/>
+          </p:cNvSpPr>
+          <p:nvPr>
+            <p:ph type="sldNum" sz="quarter" idx="10"/>
+          </p:nvPr>
+        </p:nvSpPr>
+        <p:spPr/>
+        <p:txBody>
+          <a:bodyPr/>
+          <a:lstStyle/>
+          <a:p>
+            <a:fld id="{4CFD207A-07DF-40AD-A916-9872E089CE7A}" type="slidenum">
+              <a:rPr lang="en-US" smtClean="0"/>
+              <a:t>9</a:t>
             </a:fld>
             <a:endParaRPr lang="en-US"/>
           </a:p>
@@ -1380,13 +1551,13 @@
   <p:timing>
     <p:tnLst>
       <p:par>
-        <p:cTn id="1" dur="indefinite" restart="never" nodeType="tmRoot"/>
+        <p:cTn xmlns:p14="http://schemas.microsoft.com/office/powerpoint/2010/main" id="1" dur="indefinite" restart="never" nodeType="tmRoot"/>
       </p:par>
     </p:tnLst>
   </p:timing>
   <p:extLst mod="1">
     <p:ext uri="{DCECCB84-F9BA-43D5-87BE-67443E8EF086}">
-      <p15:sldGuideLst xmlns:p15="http://schemas.microsoft.com/office/powerpoint/2012/main">
+      <p15:sldGuideLst xmlns:p15="http://schemas.microsoft.com/office/powerpoint/2012/main" xmlns="">
         <p15:guide id="1" orient="horz" pos="3792">
           <p15:clr>
             <a:srgbClr val="FBAE40"/>
@@ -2039,13 +2210,13 @@
   <p:timing>
     <p:tnLst>
       <p:par>
-        <p:cTn id="1" dur="indefinite" restart="never" nodeType="tmRoot"/>
+        <p:cTn xmlns:p14="http://schemas.microsoft.com/office/powerpoint/2010/main" id="1" dur="indefinite" restart="never" nodeType="tmRoot"/>
       </p:par>
     </p:tnLst>
   </p:timing>
   <p:extLst mod="1">
     <p:ext uri="{DCECCB84-F9BA-43D5-87BE-67443E8EF086}">
-      <p15:sldGuideLst xmlns:p15="http://schemas.microsoft.com/office/powerpoint/2012/main">
+      <p15:sldGuideLst xmlns:p15="http://schemas.microsoft.com/office/powerpoint/2012/main" xmlns="">
         <p15:guide id="1" orient="horz" pos="2160">
           <p15:clr>
             <a:srgbClr val="FBAE40"/>
@@ -2273,7 +2444,7 @@
   <p:timing>
     <p:tnLst>
       <p:par>
-        <p:cTn id="1" dur="indefinite" restart="never" nodeType="tmRoot"/>
+        <p:cTn xmlns:p14="http://schemas.microsoft.com/office/powerpoint/2010/main" id="1" dur="indefinite" restart="never" nodeType="tmRoot"/>
       </p:par>
     </p:tnLst>
   </p:timing>
@@ -2432,7 +2603,7 @@
   <p:timing>
     <p:tnLst>
       <p:par>
-        <p:cTn id="1" dur="indefinite" restart="never" nodeType="tmRoot"/>
+        <p:cTn xmlns:p14="http://schemas.microsoft.com/office/powerpoint/2010/main" id="1" dur="indefinite" restart="never" nodeType="tmRoot"/>
       </p:par>
     </p:tnLst>
   </p:timing>
@@ -2672,7 +2843,7 @@
   <p:timing>
     <p:tnLst>
       <p:par>
-        <p:cTn id="1" dur="indefinite" restart="never" nodeType="tmRoot"/>
+        <p:cTn xmlns:p14="http://schemas.microsoft.com/office/powerpoint/2010/main" id="1" dur="indefinite" restart="never" nodeType="tmRoot"/>
       </p:par>
     </p:tnLst>
   </p:timing>
@@ -3064,7 +3235,7 @@
   <p:timing>
     <p:tnLst>
       <p:par>
-        <p:cTn id="1" dur="indefinite" restart="never" nodeType="tmRoot"/>
+        <p:cTn xmlns:p14="http://schemas.microsoft.com/office/powerpoint/2010/main" id="1" dur="indefinite" restart="never" nodeType="tmRoot"/>
       </p:par>
     </p:tnLst>
   </p:timing>
@@ -3124,7 +3295,7 @@
   <p:timing>
     <p:tnLst>
       <p:par>
-        <p:cTn id="1" dur="indefinite" restart="never" nodeType="tmRoot"/>
+        <p:cTn xmlns:p14="http://schemas.microsoft.com/office/powerpoint/2010/main" id="1" dur="indefinite" restart="never" nodeType="tmRoot"/>
       </p:par>
     </p:tnLst>
   </p:timing>
@@ -3161,7 +3332,7 @@
   <p:timing>
     <p:tnLst>
       <p:par>
-        <p:cTn id="1" dur="indefinite" restart="never" nodeType="tmRoot"/>
+        <p:cTn xmlns:p14="http://schemas.microsoft.com/office/powerpoint/2010/main" id="1" dur="indefinite" restart="never" nodeType="tmRoot"/>
       </p:par>
     </p:tnLst>
   </p:timing>
@@ -3372,7 +3543,7 @@
   <p:timing>
     <p:tnLst>
       <p:par>
-        <p:cTn id="1" dur="indefinite" restart="never" nodeType="tmRoot"/>
+        <p:cTn xmlns:p14="http://schemas.microsoft.com/office/powerpoint/2010/main" id="1" dur="indefinite" restart="never" nodeType="tmRoot"/>
       </p:par>
     </p:tnLst>
   </p:timing>
@@ -3456,7 +3627,7 @@
   <p:timing>
     <p:tnLst>
       <p:par>
-        <p:cTn id="1" dur="indefinite" restart="never" nodeType="tmRoot"/>
+        <p:cTn xmlns:p14="http://schemas.microsoft.com/office/powerpoint/2010/main" id="1" dur="indefinite" restart="never" nodeType="tmRoot"/>
       </p:par>
     </p:tnLst>
   </p:timing>
@@ -3811,7 +3982,71 @@
   <p:timing>
     <p:tnLst>
       <p:par>
-        <p:cTn id="1" dur="indefinite" restart="never" nodeType="tmRoot"/>
+        <p:cTn xmlns:p14="http://schemas.microsoft.com/office/powerpoint/2010/main" id="1" dur="indefinite" restart="never" nodeType="tmRoot"/>
+      </p:par>
+    </p:tnLst>
+  </p:timing>
+</p:sld>
+</file>
+
+<file path=ppt/slides/slide10.xml><?xml version="1.0" encoding="utf-8"?>
+<p:sld xmlns:a="http://schemas.openxmlformats.org/drawingml/2006/main" xmlns:r="http://schemas.openxmlformats.org/officeDocument/2006/relationships" xmlns:p="http://schemas.openxmlformats.org/presentationml/2006/main">
+  <p:cSld>
+    <p:spTree>
+      <p:nvGrpSpPr>
+        <p:cNvPr id="1" name=""/>
+        <p:cNvGrpSpPr/>
+        <p:nvPr/>
+      </p:nvGrpSpPr>
+      <p:grpSpPr>
+        <a:xfrm>
+          <a:off x="0" y="0"/>
+          <a:ext cx="0" cy="0"/>
+          <a:chOff x="0" y="0"/>
+          <a:chExt cx="0" cy="0"/>
+        </a:xfrm>
+      </p:grpSpPr>
+      <p:sp>
+        <p:nvSpPr>
+          <p:cNvPr id="4" name="Title 3"/>
+          <p:cNvSpPr>
+            <a:spLocks noGrp="1"/>
+          </p:cNvSpPr>
+          <p:nvPr>
+            <p:ph type="title"/>
+          </p:nvPr>
+        </p:nvSpPr>
+        <p:spPr/>
+        <p:txBody>
+          <a:bodyPr/>
+          <a:lstStyle/>
+          <a:p>
+            <a:r>
+              <a:rPr lang="en-US" smtClean="0"/>
+              <a:t>esponsive </a:t>
+            </a:r>
+            <a:r>
+              <a:rPr lang="en-US" dirty="0" smtClean="0"/>
+              <a:t>sites with media queries</a:t>
+            </a:r>
+            <a:endParaRPr lang="en-US" dirty="0"/>
+          </a:p>
+        </p:txBody>
+      </p:sp>
+    </p:spTree>
+    <p:extLst>
+      <p:ext uri="{BB962C8B-B14F-4D97-AF65-F5344CB8AC3E}">
+        <p14:creationId xmlns:p14="http://schemas.microsoft.com/office/powerpoint/2010/main" val="2589686320"/>
+      </p:ext>
+    </p:extLst>
+  </p:cSld>
+  <p:clrMapOvr>
+    <a:masterClrMapping/>
+  </p:clrMapOvr>
+  <p:timing>
+    <p:tnLst>
+      <p:par>
+        <p:cTn xmlns:p14="http://schemas.microsoft.com/office/powerpoint/2010/main" id="1" dur="indefinite" restart="never" nodeType="tmRoot"/>
       </p:par>
     </p:tnLst>
   </p:timing>
@@ -3910,7 +4145,7 @@
   <p:timing>
     <p:tnLst>
       <p:par>
-        <p:cTn id="1" dur="indefinite" restart="never" nodeType="tmRoot"/>
+        <p:cTn xmlns:p14="http://schemas.microsoft.com/office/powerpoint/2010/main" id="1" dur="indefinite" restart="never" nodeType="tmRoot"/>
       </p:par>
     </p:tnLst>
   </p:timing>
@@ -3989,7 +4224,7 @@
   <p:timing>
     <p:tnLst>
       <p:par>
-        <p:cTn id="1" dur="indefinite" restart="never" nodeType="tmRoot"/>
+        <p:cTn xmlns:p14="http://schemas.microsoft.com/office/powerpoint/2010/main" id="1" dur="indefinite" restart="never" nodeType="tmRoot"/>
       </p:par>
     </p:tnLst>
   </p:timing>
@@ -4030,7 +4265,7 @@
           <a:p>
             <a:r>
               <a:rPr lang="en-US" dirty="0" smtClean="0"/>
-              <a:t>Query Properties</a:t>
+              <a:t>Creating a query</a:t>
             </a:r>
             <a:endParaRPr lang="en-US" dirty="0"/>
           </a:p>
@@ -4053,26 +4288,23 @@
           <a:p>
             <a:r>
               <a:rPr lang="en-US" dirty="0" smtClean="0"/>
-              <a:t>Minimum width/height</a:t>
-            </a:r>
-          </a:p>
-          <a:p>
-            <a:r>
-              <a:rPr lang="en-US" dirty="0" smtClean="0"/>
-              <a:t>Maximum width/height</a:t>
-            </a:r>
-          </a:p>
-          <a:p>
-            <a:r>
-              <a:rPr lang="en-US" dirty="0" smtClean="0"/>
-              <a:t>Screen orientation</a:t>
-            </a:r>
-          </a:p>
-          <a:p>
-            <a:r>
-              <a:rPr lang="en-US" dirty="0" smtClean="0"/>
-              <a:t>Device width ***</a:t>
-            </a:r>
+              <a:t>Media Type</a:t>
+            </a:r>
+          </a:p>
+          <a:p>
+            <a:r>
+              <a:rPr lang="en-US" dirty="0" smtClean="0"/>
+              <a:t>Media Features – parameters of the media type</a:t>
+            </a:r>
+          </a:p>
+          <a:p>
+            <a:r>
+              <a:rPr lang="en-US" dirty="0" smtClean="0"/>
+              <a:t>Logical Operators – and, or, not, only</a:t>
+            </a:r>
+          </a:p>
+          <a:p>
+            <a:endParaRPr lang="en-US" dirty="0" smtClean="0"/>
           </a:p>
           <a:p>
             <a:endParaRPr lang="en-US" dirty="0" smtClean="0"/>
@@ -4085,7 +4317,7 @@
     </p:spTree>
     <p:extLst>
       <p:ext uri="{BB962C8B-B14F-4D97-AF65-F5344CB8AC3E}">
-        <p14:creationId xmlns:p14="http://schemas.microsoft.com/office/powerpoint/2010/main" val="1127165995"/>
+        <p14:creationId xmlns:p14="http://schemas.microsoft.com/office/powerpoint/2010/main" val="1457230974"/>
       </p:ext>
     </p:extLst>
   </p:cSld>
@@ -4095,7 +4327,7 @@
   <p:timing>
     <p:tnLst>
       <p:par>
-        <p:cTn id="1" dur="indefinite" restart="never" nodeType="tmRoot"/>
+        <p:cTn xmlns:p14="http://schemas.microsoft.com/office/powerpoint/2010/main" id="1" dur="indefinite" restart="never" nodeType="tmRoot"/>
       </p:par>
     </p:tnLst>
   </p:timing>
@@ -4121,12 +4353,12 @@
       </p:grpSpPr>
       <p:sp>
         <p:nvSpPr>
-          <p:cNvPr id="5" name="Text Placeholder 4"/>
+          <p:cNvPr id="2" name="Title 1"/>
           <p:cNvSpPr>
             <a:spLocks noGrp="1"/>
           </p:cNvSpPr>
           <p:nvPr>
-            <p:ph type="body" sz="quarter" idx="10"/>
+            <p:ph type="title"/>
           </p:nvPr>
         </p:nvSpPr>
         <p:spPr/>
@@ -4135,8 +4367,8 @@
           <a:lstStyle/>
           <a:p>
             <a:r>
-              <a:rPr lang="en-US" dirty="0"/>
-              <a:t>Deciding and styling content</a:t>
+              <a:rPr lang="en-US" dirty="0" smtClean="0"/>
+              <a:t>Query Properties</a:t>
             </a:r>
             <a:endParaRPr lang="en-US" dirty="0"/>
           </a:p>
@@ -4144,18 +4376,50 @@
       </p:sp>
       <p:sp>
         <p:nvSpPr>
-          <p:cNvPr id="4" name="Subtitle 3"/>
+          <p:cNvPr id="3" name="Content Placeholder 2"/>
           <p:cNvSpPr>
             <a:spLocks noGrp="1"/>
           </p:cNvSpPr>
           <p:nvPr>
-            <p:ph type="subTitle" idx="1"/>
+            <p:ph sz="quarter" idx="10"/>
           </p:nvPr>
         </p:nvSpPr>
         <p:spPr/>
         <p:txBody>
           <a:bodyPr/>
           <a:lstStyle/>
+          <a:p>
+            <a:r>
+              <a:rPr lang="en-US" dirty="0" smtClean="0"/>
+              <a:t>Minimum width/height</a:t>
+            </a:r>
+          </a:p>
+          <a:p>
+            <a:r>
+              <a:rPr lang="en-US" dirty="0" smtClean="0"/>
+              <a:t>Maximum width/height</a:t>
+            </a:r>
+          </a:p>
+          <a:p>
+            <a:r>
+              <a:rPr lang="en-US" dirty="0" smtClean="0"/>
+              <a:t>Screen orientation</a:t>
+            </a:r>
+          </a:p>
+          <a:p>
+            <a:r>
+              <a:rPr lang="en-US" dirty="0" smtClean="0"/>
+              <a:t>Device </a:t>
+            </a:r>
+            <a:r>
+              <a:rPr lang="en-US" dirty="0" smtClean="0"/>
+              <a:t>width</a:t>
+            </a:r>
+            <a:endParaRPr lang="en-US" dirty="0" smtClean="0"/>
+          </a:p>
+          <a:p>
+            <a:endParaRPr lang="en-US" dirty="0" smtClean="0"/>
+          </a:p>
           <a:p>
             <a:endParaRPr lang="en-US" dirty="0"/>
           </a:p>
@@ -4164,7 +4428,7 @@
     </p:spTree>
     <p:extLst>
       <p:ext uri="{BB962C8B-B14F-4D97-AF65-F5344CB8AC3E}">
-        <p14:creationId xmlns:p14="http://schemas.microsoft.com/office/powerpoint/2010/main" val="2589891639"/>
+        <p14:creationId xmlns:p14="http://schemas.microsoft.com/office/powerpoint/2010/main" val="1127165995"/>
       </p:ext>
     </p:extLst>
   </p:cSld>
@@ -4174,7 +4438,7 @@
   <p:timing>
     <p:tnLst>
       <p:par>
-        <p:cTn id="1" dur="indefinite" restart="never" nodeType="tmRoot"/>
+        <p:cTn xmlns:p14="http://schemas.microsoft.com/office/powerpoint/2010/main" id="1" dur="indefinite" restart="never" nodeType="tmRoot"/>
       </p:par>
     </p:tnLst>
   </p:timing>
@@ -4215,7 +4479,7 @@
           <a:p>
             <a:r>
               <a:rPr lang="en-US" dirty="0" smtClean="0"/>
-              <a:t>Deciding and styling content</a:t>
+              <a:t>Query Properties</a:t>
             </a:r>
             <a:endParaRPr lang="en-US" dirty="0"/>
           </a:p>
@@ -4238,34 +4502,81 @@
           <a:p>
             <a:r>
               <a:rPr lang="en-US" dirty="0" smtClean="0"/>
-              <a:t>Decide </a:t>
-            </a:r>
-            <a:r>
-              <a:rPr lang="en-US" dirty="0" smtClean="0"/>
-              <a:t>on your breaking points</a:t>
+              <a:t>Minimum width/</a:t>
+            </a:r>
+            <a:r>
+              <a:rPr lang="en-US" dirty="0" smtClean="0"/>
+              <a:t>height</a:t>
+            </a:r>
+          </a:p>
+          <a:p>
+            <a:pPr marL="457046" lvl="1" indent="0">
+              <a:buNone/>
+            </a:pPr>
+            <a:r>
+              <a:rPr lang="en-US" dirty="0" smtClean="0"/>
+              <a:t>@media (min-width: 700px) { ... }</a:t>
             </a:r>
             <a:endParaRPr lang="en-US" dirty="0" smtClean="0"/>
           </a:p>
           <a:p>
             <a:r>
               <a:rPr lang="en-US" dirty="0" smtClean="0"/>
-              <a:t>Optimize your text (size and margins)</a:t>
-            </a:r>
-          </a:p>
-          <a:p>
-            <a:r>
-              <a:rPr lang="en-US" dirty="0" smtClean="0"/>
-              <a:t>Adjust touch targets</a:t>
-            </a:r>
-          </a:p>
-          <a:p>
-            <a:r>
-              <a:rPr lang="en-US" dirty="0" smtClean="0"/>
-              <a:t>Use relative sizing</a:t>
-            </a:r>
-          </a:p>
-          <a:p>
-            <a:pPr lvl="1"/>
+              <a:t>Maximum width/height</a:t>
+            </a:r>
+          </a:p>
+          <a:p>
+            <a:pPr marL="457046" lvl="1" indent="0">
+              <a:buNone/>
+            </a:pPr>
+            <a:r>
+              <a:rPr lang="en-US" dirty="0" smtClean="0"/>
+              <a:t>@media </a:t>
+            </a:r>
+            <a:r>
+              <a:rPr lang="en-US" dirty="0"/>
+              <a:t>(min-width: 700px) { ... </a:t>
+            </a:r>
+            <a:r>
+              <a:rPr lang="en-US" dirty="0" smtClean="0"/>
+              <a:t>}</a:t>
+            </a:r>
+            <a:endParaRPr lang="en-US" dirty="0" smtClean="0"/>
+          </a:p>
+          <a:p>
+            <a:r>
+              <a:rPr lang="en-US" dirty="0" smtClean="0"/>
+              <a:t>Screen orientation</a:t>
+            </a:r>
+          </a:p>
+          <a:p>
+            <a:pPr marL="457046" lvl="1" indent="0">
+              <a:buNone/>
+            </a:pPr>
+            <a:r>
+              <a:rPr lang="en-US" dirty="0"/>
+              <a:t>@media all and (orientation: portrait) { ... </a:t>
+            </a:r>
+            <a:r>
+              <a:rPr lang="en-US" dirty="0" smtClean="0"/>
+              <a:t>}</a:t>
+            </a:r>
+            <a:endParaRPr lang="en-US" dirty="0" smtClean="0"/>
+          </a:p>
+          <a:p>
+            <a:r>
+              <a:rPr lang="en-US" dirty="0" smtClean="0"/>
+              <a:t>Screen resolution</a:t>
+            </a:r>
+          </a:p>
+          <a:p>
+            <a:r>
+              <a:rPr lang="en-US" dirty="0" smtClean="0"/>
+              <a:t>Aspect Ratio</a:t>
+            </a:r>
+            <a:endParaRPr lang="en-US" dirty="0" smtClean="0"/>
+          </a:p>
+          <a:p>
             <a:endParaRPr lang="en-US" dirty="0" smtClean="0"/>
           </a:p>
           <a:p>
@@ -4279,7 +4590,7 @@
     </p:spTree>
     <p:extLst>
       <p:ext uri="{BB962C8B-B14F-4D97-AF65-F5344CB8AC3E}">
-        <p14:creationId xmlns:p14="http://schemas.microsoft.com/office/powerpoint/2010/main" val="631310588"/>
+        <p14:creationId xmlns:p14="http://schemas.microsoft.com/office/powerpoint/2010/main" val="813343978"/>
       </p:ext>
     </p:extLst>
   </p:cSld>
@@ -4289,7 +4600,7 @@
   <p:timing>
     <p:tnLst>
       <p:par>
-        <p:cTn id="1" dur="indefinite" restart="never" nodeType="tmRoot"/>
+        <p:cTn xmlns:p14="http://schemas.microsoft.com/office/powerpoint/2010/main" id="1" dur="indefinite" restart="never" nodeType="tmRoot"/>
       </p:par>
     </p:tnLst>
   </p:timing>
@@ -4330,7 +4641,7 @@
           <a:p>
             <a:r>
               <a:rPr lang="en-US" dirty="0" smtClean="0"/>
-              <a:t>Media Queries</a:t>
+              <a:t>Creating queries</a:t>
             </a:r>
             <a:endParaRPr lang="en-US" dirty="0"/>
           </a:p>
@@ -4339,7 +4650,7 @@
     </p:spTree>
     <p:extLst>
       <p:ext uri="{BB962C8B-B14F-4D97-AF65-F5344CB8AC3E}">
-        <p14:creationId xmlns:p14="http://schemas.microsoft.com/office/powerpoint/2010/main" val="2589686320"/>
+        <p14:creationId xmlns:p14="http://schemas.microsoft.com/office/powerpoint/2010/main" val="4277900486"/>
       </p:ext>
     </p:extLst>
   </p:cSld>
@@ -4349,7 +4660,195 @@
   <p:timing>
     <p:tnLst>
       <p:par>
-        <p:cTn id="1" dur="indefinite" restart="never" nodeType="tmRoot"/>
+        <p:cTn xmlns:p14="http://schemas.microsoft.com/office/powerpoint/2010/main" id="1" dur="indefinite" restart="never" nodeType="tmRoot"/>
+      </p:par>
+    </p:tnLst>
+  </p:timing>
+</p:sld>
+</file>
+
+<file path=ppt/slides/slide8.xml><?xml version="1.0" encoding="utf-8"?>
+<p:sld xmlns:a="http://schemas.openxmlformats.org/drawingml/2006/main" xmlns:r="http://schemas.openxmlformats.org/officeDocument/2006/relationships" xmlns:p="http://schemas.openxmlformats.org/presentationml/2006/main">
+  <p:cSld>
+    <p:spTree>
+      <p:nvGrpSpPr>
+        <p:cNvPr id="1" name=""/>
+        <p:cNvGrpSpPr/>
+        <p:nvPr/>
+      </p:nvGrpSpPr>
+      <p:grpSpPr>
+        <a:xfrm>
+          <a:off x="0" y="0"/>
+          <a:ext cx="0" cy="0"/>
+          <a:chOff x="0" y="0"/>
+          <a:chExt cx="0" cy="0"/>
+        </a:xfrm>
+      </p:grpSpPr>
+      <p:sp>
+        <p:nvSpPr>
+          <p:cNvPr id="5" name="Text Placeholder 4"/>
+          <p:cNvSpPr>
+            <a:spLocks noGrp="1"/>
+          </p:cNvSpPr>
+          <p:nvPr>
+            <p:ph type="body" sz="quarter" idx="10"/>
+          </p:nvPr>
+        </p:nvSpPr>
+        <p:spPr/>
+        <p:txBody>
+          <a:bodyPr/>
+          <a:lstStyle/>
+          <a:p>
+            <a:r>
+              <a:rPr lang="en-US" dirty="0"/>
+              <a:t>Deciding and styling content</a:t>
+            </a:r>
+          </a:p>
+        </p:txBody>
+      </p:sp>
+      <p:sp>
+        <p:nvSpPr>
+          <p:cNvPr id="4" name="Subtitle 3"/>
+          <p:cNvSpPr>
+            <a:spLocks noGrp="1"/>
+          </p:cNvSpPr>
+          <p:nvPr>
+            <p:ph type="subTitle" idx="1"/>
+          </p:nvPr>
+        </p:nvSpPr>
+        <p:spPr/>
+        <p:txBody>
+          <a:bodyPr/>
+          <a:lstStyle/>
+          <a:p>
+            <a:endParaRPr lang="en-US" dirty="0"/>
+          </a:p>
+        </p:txBody>
+      </p:sp>
+    </p:spTree>
+    <p:extLst>
+      <p:ext uri="{BB962C8B-B14F-4D97-AF65-F5344CB8AC3E}">
+        <p14:creationId xmlns:p14="http://schemas.microsoft.com/office/powerpoint/2010/main" val="2589891639"/>
+      </p:ext>
+    </p:extLst>
+  </p:cSld>
+  <p:clrMapOvr>
+    <a:masterClrMapping/>
+  </p:clrMapOvr>
+  <p:timing>
+    <p:tnLst>
+      <p:par>
+        <p:cTn xmlns:p14="http://schemas.microsoft.com/office/powerpoint/2010/main" id="1" dur="indefinite" restart="never" nodeType="tmRoot"/>
+      </p:par>
+    </p:tnLst>
+  </p:timing>
+</p:sld>
+</file>
+
+<file path=ppt/slides/slide9.xml><?xml version="1.0" encoding="utf-8"?>
+<p:sld xmlns:a="http://schemas.openxmlformats.org/drawingml/2006/main" xmlns:r="http://schemas.openxmlformats.org/officeDocument/2006/relationships" xmlns:p="http://schemas.openxmlformats.org/presentationml/2006/main">
+  <p:cSld>
+    <p:spTree>
+      <p:nvGrpSpPr>
+        <p:cNvPr id="1" name=""/>
+        <p:cNvGrpSpPr/>
+        <p:nvPr/>
+      </p:nvGrpSpPr>
+      <p:grpSpPr>
+        <a:xfrm>
+          <a:off x="0" y="0"/>
+          <a:ext cx="0" cy="0"/>
+          <a:chOff x="0" y="0"/>
+          <a:chExt cx="0" cy="0"/>
+        </a:xfrm>
+      </p:grpSpPr>
+      <p:sp>
+        <p:nvSpPr>
+          <p:cNvPr id="2" name="Title 1"/>
+          <p:cNvSpPr>
+            <a:spLocks noGrp="1"/>
+          </p:cNvSpPr>
+          <p:nvPr>
+            <p:ph type="title"/>
+          </p:nvPr>
+        </p:nvSpPr>
+        <p:spPr/>
+        <p:txBody>
+          <a:bodyPr/>
+          <a:lstStyle/>
+          <a:p>
+            <a:r>
+              <a:rPr lang="en-US" dirty="0" smtClean="0"/>
+              <a:t>Deciding and styling content</a:t>
+            </a:r>
+            <a:endParaRPr lang="en-US" dirty="0"/>
+          </a:p>
+        </p:txBody>
+      </p:sp>
+      <p:sp>
+        <p:nvSpPr>
+          <p:cNvPr id="3" name="Content Placeholder 2"/>
+          <p:cNvSpPr>
+            <a:spLocks noGrp="1"/>
+          </p:cNvSpPr>
+          <p:nvPr>
+            <p:ph sz="quarter" idx="10"/>
+          </p:nvPr>
+        </p:nvSpPr>
+        <p:spPr/>
+        <p:txBody>
+          <a:bodyPr/>
+          <a:lstStyle/>
+          <a:p>
+            <a:r>
+              <a:rPr lang="en-US" dirty="0" smtClean="0"/>
+              <a:t>Decide on your breaking points</a:t>
+            </a:r>
+          </a:p>
+          <a:p>
+            <a:r>
+              <a:rPr lang="en-US" dirty="0" smtClean="0"/>
+              <a:t>Optimize your text (size and margins)</a:t>
+            </a:r>
+          </a:p>
+          <a:p>
+            <a:r>
+              <a:rPr lang="en-US" dirty="0" smtClean="0"/>
+              <a:t>Adjust touch targets</a:t>
+            </a:r>
+          </a:p>
+          <a:p>
+            <a:r>
+              <a:rPr lang="en-US" dirty="0" smtClean="0"/>
+              <a:t>Use relative sizing</a:t>
+            </a:r>
+          </a:p>
+          <a:p>
+            <a:pPr lvl="1"/>
+            <a:endParaRPr lang="en-US" dirty="0" smtClean="0"/>
+          </a:p>
+          <a:p>
+            <a:endParaRPr lang="en-US" dirty="0" smtClean="0"/>
+          </a:p>
+          <a:p>
+            <a:endParaRPr lang="en-US" dirty="0"/>
+          </a:p>
+        </p:txBody>
+      </p:sp>
+    </p:spTree>
+    <p:extLst>
+      <p:ext uri="{BB962C8B-B14F-4D97-AF65-F5344CB8AC3E}">
+        <p14:creationId xmlns:p14="http://schemas.microsoft.com/office/powerpoint/2010/main" val="631310588"/>
+      </p:ext>
+    </p:extLst>
+  </p:cSld>
+  <p:clrMapOvr>
+    <a:masterClrMapping/>
+  </p:clrMapOvr>
+  <p:timing>
+    <p:tnLst>
+      <p:par>
+        <p:cTn xmlns:p14="http://schemas.microsoft.com/office/powerpoint/2010/main" id="1" dur="indefinite" restart="never" nodeType="tmRoot"/>
       </p:par>
     </p:tnLst>
   </p:timing>
@@ -4684,7 +5183,7 @@
     </a:clrScheme>
     <a:fontScheme name="Office">
       <a:majorFont>
-        <a:latin typeface="Calibri Light" panose="020F0302020204030204"/>
+        <a:latin typeface="Calibri Light"/>
         <a:ea typeface=""/>
         <a:cs typeface=""/>
         <a:font script="Jpan" typeface="ＭＳ Ｐゴシック"/>
@@ -4719,7 +5218,7 @@
         <a:font script="Geor" typeface="Sylfaen"/>
       </a:majorFont>
       <a:minorFont>
-        <a:latin typeface="Calibri" panose="020F0502020204030204"/>
+        <a:latin typeface="Calibri"/>
         <a:ea typeface=""/>
         <a:cs typeface=""/>
         <a:font script="Jpan" typeface="ＭＳ Ｐゴシック"/>
@@ -4896,7 +5395,7 @@
   <a:extraClrSchemeLst/>
   <a:extLst>
     <a:ext uri="{05A4C25C-085E-4340-85A3-A5531E510DB2}">
-      <thm15:themeFamily xmlns:thm15="http://schemas.microsoft.com/office/thememl/2012/main" name="Office Theme" id="{62F939B6-93AF-4DB8-9C6B-D6C7DFDC589F}" vid="{4A3C46E8-61CC-4603-A589-7422A47A8E4A}"/>
+      <thm15:themeFamily xmlns:thm15="http://schemas.microsoft.com/office/thememl/2012/main" xmlns="" name="Office Theme" id="{62F939B6-93AF-4DB8-9C6B-D6C7DFDC589F}" vid="{4A3C46E8-61CC-4603-A589-7422A47A8E4A}"/>
     </a:ext>
   </a:extLst>
 </a:theme>
@@ -4945,7 +5444,7 @@
     </a:clrScheme>
     <a:fontScheme name="Office">
       <a:majorFont>
-        <a:latin typeface="Calibri Light" panose="020F0302020204030204"/>
+        <a:latin typeface="Calibri Light"/>
         <a:ea typeface=""/>
         <a:cs typeface=""/>
         <a:font script="Jpan" typeface="ＭＳ Ｐゴシック"/>
@@ -4980,7 +5479,7 @@
         <a:font script="Geor" typeface="Sylfaen"/>
       </a:majorFont>
       <a:minorFont>
-        <a:latin typeface="Calibri" panose="020F0502020204030204"/>
+        <a:latin typeface="Calibri"/>
         <a:ea typeface=""/>
         <a:cs typeface=""/>
         <a:font script="Jpan" typeface="ＭＳ Ｐゴシック"/>
@@ -5157,7 +5656,7 @@
   <a:extraClrSchemeLst/>
   <a:extLst>
     <a:ext uri="{05A4C25C-085E-4340-85A3-A5531E510DB2}">
-      <thm15:themeFamily xmlns:thm15="http://schemas.microsoft.com/office/thememl/2012/main" name="Office Theme" id="{62F939B6-93AF-4DB8-9C6B-D6C7DFDC589F}" vid="{4A3C46E8-61CC-4603-A589-7422A47A8E4A}"/>
+      <thm15:themeFamily xmlns:thm15="http://schemas.microsoft.com/office/thememl/2012/main" xmlns="" name="Office Theme" id="{62F939B6-93AF-4DB8-9C6B-D6C7DFDC589F}" vid="{4A3C46E8-61CC-4603-A589-7422A47A8E4A}"/>
     </a:ext>
   </a:extLst>
 </a:theme>

--- a/Slides/Module 4.pptx
+++ b/Slides/Module 4.pptx
@@ -5,22 +5,26 @@
     <p:sldMasterId id="2147483660" r:id="rId4"/>
   </p:sldMasterIdLst>
   <p:notesMasterIdLst>
-    <p:notesMasterId r:id="rId15"/>
+    <p:notesMasterId r:id="rId19"/>
   </p:notesMasterIdLst>
   <p:handoutMasterIdLst>
-    <p:handoutMasterId r:id="rId16"/>
+    <p:handoutMasterId r:id="rId20"/>
   </p:handoutMasterIdLst>
   <p:sldIdLst>
     <p:sldId id="277" r:id="rId5"/>
     <p:sldId id="278" r:id="rId6"/>
     <p:sldId id="284" r:id="rId7"/>
-    <p:sldId id="306" r:id="rId8"/>
-    <p:sldId id="286" r:id="rId9"/>
-    <p:sldId id="307" r:id="rId10"/>
-    <p:sldId id="309" r:id="rId11"/>
-    <p:sldId id="288" r:id="rId12"/>
-    <p:sldId id="305" r:id="rId13"/>
-    <p:sldId id="302" r:id="rId14"/>
+    <p:sldId id="310" r:id="rId8"/>
+    <p:sldId id="306" r:id="rId9"/>
+    <p:sldId id="311" r:id="rId10"/>
+    <p:sldId id="286" r:id="rId11"/>
+    <p:sldId id="307" r:id="rId12"/>
+    <p:sldId id="313" r:id="rId13"/>
+    <p:sldId id="309" r:id="rId14"/>
+    <p:sldId id="288" r:id="rId15"/>
+    <p:sldId id="305" r:id="rId16"/>
+    <p:sldId id="302" r:id="rId17"/>
+    <p:sldId id="314" r:id="rId18"/>
   </p:sldIdLst>
   <p:sldSz cx="12192000" cy="6858000"/>
   <p:notesSz cx="6858000" cy="9144000"/>
@@ -121,10 +125,10 @@
   </p:defaultTextStyle>
   <p:extLst>
     <p:ext uri="{EFAFB233-063F-42B5-8137-9DF3F51BA10A}">
-      <p15:sldGuideLst xmlns:p15="http://schemas.microsoft.com/office/powerpoint/2012/main" xmlns=""/>
+      <p15:sldGuideLst xmlns="" xmlns:p15="http://schemas.microsoft.com/office/powerpoint/2012/main"/>
     </p:ext>
     <p:ext uri="{2D200454-40CA-4A62-9FC3-DE9A4176ACB9}">
-      <p15:notesGuideLst xmlns:p15="http://schemas.microsoft.com/office/powerpoint/2012/main" xmlns=""/>
+      <p15:notesGuideLst xmlns="" xmlns:p15="http://schemas.microsoft.com/office/powerpoint/2012/main"/>
     </p:ext>
   </p:extLst>
 </p:presentation>
@@ -212,7 +216,7 @@
           <a:p>
             <a:fld id="{312E7B4A-039C-48A2-9B2C-AF16AA3873D8}" type="datetimeFigureOut">
               <a:rPr lang="en-US" smtClean="0"/>
-              <a:t>12/2/14</a:t>
+              <a:t>12/3/14</a:t>
             </a:fld>
             <a:endParaRPr lang="en-US"/>
           </a:p>
@@ -377,7 +381,7 @@
           <a:p>
             <a:fld id="{DA005A0C-54D9-45AA-87D4-C551D08DFCE1}" type="datetimeFigureOut">
               <a:rPr lang="en-US" smtClean="0"/>
-              <a:t>12/2/14</a:t>
+              <a:t>12/3/14</a:t>
             </a:fld>
             <a:endParaRPr lang="en-US"/>
           </a:p>
@@ -868,40 +872,48 @@
         </p:nvSpPr>
         <p:spPr/>
         <p:txBody>
+          <a:bodyPr>
+            <a:noAutofit/>
+          </a:bodyPr>
+          <a:lstStyle/>
+          <a:p>
+            <a:endParaRPr lang="en-GB" dirty="0">
+              <a:solidFill>
+                <a:schemeClr val="tx2"/>
+              </a:solidFill>
+              <a:latin typeface="Segoe" pitchFamily="34" charset="0"/>
+            </a:endParaRPr>
+          </a:p>
+        </p:txBody>
+      </p:sp>
+      <p:sp>
+        <p:nvSpPr>
+          <p:cNvPr id="4" name="Slide Number Placeholder 3"/>
+          <p:cNvSpPr>
+            <a:spLocks noGrp="1"/>
+          </p:cNvSpPr>
+          <p:nvPr>
+            <p:ph type="sldNum" sz="quarter" idx="10"/>
+          </p:nvPr>
+        </p:nvSpPr>
+        <p:spPr/>
+        <p:txBody>
           <a:bodyPr/>
           <a:lstStyle/>
           <a:p>
-            <a:endParaRPr lang="en-US" dirty="0"/>
-          </a:p>
-        </p:txBody>
-      </p:sp>
-      <p:sp>
-        <p:nvSpPr>
-          <p:cNvPr id="4" name="Slide Number Placeholder 3"/>
-          <p:cNvSpPr>
-            <a:spLocks noGrp="1"/>
-          </p:cNvSpPr>
-          <p:nvPr>
-            <p:ph type="sldNum" sz="quarter" idx="10"/>
-          </p:nvPr>
-        </p:nvSpPr>
-        <p:spPr/>
-        <p:txBody>
-          <a:bodyPr/>
-          <a:lstStyle/>
-          <a:p>
-            <a:fld id="{4CFD207A-07DF-40AD-A916-9872E089CE7A}" type="slidenum">
+            <a:fld id="{13F0F35F-DD44-4607-AEC1-49D7A4BC4066}" type="slidenum">
               <a:rPr lang="en-US" smtClean="0"/>
+              <a:pPr/>
               <a:t>4</a:t>
             </a:fld>
-            <a:endParaRPr lang="en-US"/>
+            <a:endParaRPr lang="en-US" dirty="0"/>
           </a:p>
         </p:txBody>
       </p:sp>
     </p:spTree>
     <p:extLst>
       <p:ext uri="{BB962C8B-B14F-4D97-AF65-F5344CB8AC3E}">
-        <p14:creationId xmlns:p14="http://schemas.microsoft.com/office/powerpoint/2010/main" val="76419505"/>
+        <p14:creationId xmlns:p14="http://schemas.microsoft.com/office/powerpoint/2010/main" val="1542757562"/>
       </p:ext>
     </p:extLst>
   </p:cSld>
@@ -1144,7 +1156,259 @@
           <a:p>
             <a:fld id="{4CFD207A-07DF-40AD-A916-9872E089CE7A}" type="slidenum">
               <a:rPr lang="en-US" smtClean="0"/>
+              <a:t>7</a:t>
+            </a:fld>
+            <a:endParaRPr lang="en-US"/>
+          </a:p>
+        </p:txBody>
+      </p:sp>
+    </p:spTree>
+    <p:extLst>
+      <p:ext uri="{BB962C8B-B14F-4D97-AF65-F5344CB8AC3E}">
+        <p14:creationId xmlns:p14="http://schemas.microsoft.com/office/powerpoint/2010/main" val="76419505"/>
+      </p:ext>
+    </p:extLst>
+  </p:cSld>
+  <p:clrMapOvr>
+    <a:masterClrMapping/>
+  </p:clrMapOvr>
+</p:notes>
+</file>
+
+<file path=ppt/notesSlides/notesSlide7.xml><?xml version="1.0" encoding="utf-8"?>
+<p:notes xmlns:a="http://schemas.openxmlformats.org/drawingml/2006/main" xmlns:r="http://schemas.openxmlformats.org/officeDocument/2006/relationships" xmlns:p="http://schemas.openxmlformats.org/presentationml/2006/main">
+  <p:cSld>
+    <p:spTree>
+      <p:nvGrpSpPr>
+        <p:cNvPr id="1" name=""/>
+        <p:cNvGrpSpPr/>
+        <p:nvPr/>
+      </p:nvGrpSpPr>
+      <p:grpSpPr>
+        <a:xfrm>
+          <a:off x="0" y="0"/>
+          <a:ext cx="0" cy="0"/>
+          <a:chOff x="0" y="0"/>
+          <a:chExt cx="0" cy="0"/>
+        </a:xfrm>
+      </p:grpSpPr>
+      <p:sp>
+        <p:nvSpPr>
+          <p:cNvPr id="2" name="Slide Image Placeholder 1"/>
+          <p:cNvSpPr>
+            <a:spLocks noGrp="1" noRot="1" noChangeAspect="1"/>
+          </p:cNvSpPr>
+          <p:nvPr>
+            <p:ph type="sldImg"/>
+          </p:nvPr>
+        </p:nvSpPr>
+        <p:spPr/>
+      </p:sp>
+      <p:sp>
+        <p:nvSpPr>
+          <p:cNvPr id="3" name="Notes Placeholder 2"/>
+          <p:cNvSpPr>
+            <a:spLocks noGrp="1"/>
+          </p:cNvSpPr>
+          <p:nvPr>
+            <p:ph type="body" idx="1"/>
+          </p:nvPr>
+        </p:nvSpPr>
+        <p:spPr/>
+        <p:txBody>
+          <a:bodyPr/>
+          <a:lstStyle/>
+          <a:p>
+            <a:endParaRPr lang="en-US" dirty="0"/>
+          </a:p>
+        </p:txBody>
+      </p:sp>
+      <p:sp>
+        <p:nvSpPr>
+          <p:cNvPr id="4" name="Slide Number Placeholder 3"/>
+          <p:cNvSpPr>
+            <a:spLocks noGrp="1"/>
+          </p:cNvSpPr>
+          <p:nvPr>
+            <p:ph type="sldNum" sz="quarter" idx="10"/>
+          </p:nvPr>
+        </p:nvSpPr>
+        <p:spPr/>
+        <p:txBody>
+          <a:bodyPr/>
+          <a:lstStyle/>
+          <a:p>
+            <a:fld id="{4CFD207A-07DF-40AD-A916-9872E089CE7A}" type="slidenum">
+              <a:rPr lang="en-US" smtClean="0"/>
+              <a:t>8</a:t>
+            </a:fld>
+            <a:endParaRPr lang="en-US"/>
+          </a:p>
+        </p:txBody>
+      </p:sp>
+    </p:spTree>
+    <p:extLst>
+      <p:ext uri="{BB962C8B-B14F-4D97-AF65-F5344CB8AC3E}">
+        <p14:creationId xmlns:p14="http://schemas.microsoft.com/office/powerpoint/2010/main" val="76419505"/>
+      </p:ext>
+    </p:extLst>
+  </p:cSld>
+  <p:clrMapOvr>
+    <a:masterClrMapping/>
+  </p:clrMapOvr>
+</p:notes>
+</file>
+
+<file path=ppt/notesSlides/notesSlide8.xml><?xml version="1.0" encoding="utf-8"?>
+<p:notes xmlns:a="http://schemas.openxmlformats.org/drawingml/2006/main" xmlns:r="http://schemas.openxmlformats.org/officeDocument/2006/relationships" xmlns:p="http://schemas.openxmlformats.org/presentationml/2006/main">
+  <p:cSld>
+    <p:spTree>
+      <p:nvGrpSpPr>
+        <p:cNvPr id="1" name=""/>
+        <p:cNvGrpSpPr/>
+        <p:nvPr/>
+      </p:nvGrpSpPr>
+      <p:grpSpPr>
+        <a:xfrm>
+          <a:off x="0" y="0"/>
+          <a:ext cx="0" cy="0"/>
+          <a:chOff x="0" y="0"/>
+          <a:chExt cx="0" cy="0"/>
+        </a:xfrm>
+      </p:grpSpPr>
+      <p:sp>
+        <p:nvSpPr>
+          <p:cNvPr id="2" name="Slide Image Placeholder 1"/>
+          <p:cNvSpPr>
+            <a:spLocks noGrp="1" noRot="1" noChangeAspect="1"/>
+          </p:cNvSpPr>
+          <p:nvPr>
+            <p:ph type="sldImg"/>
+          </p:nvPr>
+        </p:nvSpPr>
+        <p:spPr/>
+      </p:sp>
+      <p:sp>
+        <p:nvSpPr>
+          <p:cNvPr id="3" name="Notes Placeholder 2"/>
+          <p:cNvSpPr>
+            <a:spLocks noGrp="1"/>
+          </p:cNvSpPr>
+          <p:nvPr>
+            <p:ph type="body" idx="1"/>
+          </p:nvPr>
+        </p:nvSpPr>
+        <p:spPr/>
+        <p:txBody>
+          <a:bodyPr/>
+          <a:lstStyle/>
+          <a:p>
+            <a:endParaRPr lang="en-US" dirty="0"/>
+          </a:p>
+        </p:txBody>
+      </p:sp>
+      <p:sp>
+        <p:nvSpPr>
+          <p:cNvPr id="4" name="Slide Number Placeholder 3"/>
+          <p:cNvSpPr>
+            <a:spLocks noGrp="1"/>
+          </p:cNvSpPr>
+          <p:nvPr>
+            <p:ph type="sldNum" sz="quarter" idx="10"/>
+          </p:nvPr>
+        </p:nvSpPr>
+        <p:spPr/>
+        <p:txBody>
+          <a:bodyPr/>
+          <a:lstStyle/>
+          <a:p>
+            <a:fld id="{4CFD207A-07DF-40AD-A916-9872E089CE7A}" type="slidenum">
+              <a:rPr lang="en-US" smtClean="0"/>
               <a:t>9</a:t>
+            </a:fld>
+            <a:endParaRPr lang="en-US"/>
+          </a:p>
+        </p:txBody>
+      </p:sp>
+    </p:spTree>
+    <p:extLst>
+      <p:ext uri="{BB962C8B-B14F-4D97-AF65-F5344CB8AC3E}">
+        <p14:creationId xmlns:p14="http://schemas.microsoft.com/office/powerpoint/2010/main" val="76419505"/>
+      </p:ext>
+    </p:extLst>
+  </p:cSld>
+  <p:clrMapOvr>
+    <a:masterClrMapping/>
+  </p:clrMapOvr>
+</p:notes>
+</file>
+
+<file path=ppt/notesSlides/notesSlide9.xml><?xml version="1.0" encoding="utf-8"?>
+<p:notes xmlns:a="http://schemas.openxmlformats.org/drawingml/2006/main" xmlns:r="http://schemas.openxmlformats.org/officeDocument/2006/relationships" xmlns:p="http://schemas.openxmlformats.org/presentationml/2006/main">
+  <p:cSld>
+    <p:spTree>
+      <p:nvGrpSpPr>
+        <p:cNvPr id="1" name=""/>
+        <p:cNvGrpSpPr/>
+        <p:nvPr/>
+      </p:nvGrpSpPr>
+      <p:grpSpPr>
+        <a:xfrm>
+          <a:off x="0" y="0"/>
+          <a:ext cx="0" cy="0"/>
+          <a:chOff x="0" y="0"/>
+          <a:chExt cx="0" cy="0"/>
+        </a:xfrm>
+      </p:grpSpPr>
+      <p:sp>
+        <p:nvSpPr>
+          <p:cNvPr id="2" name="Slide Image Placeholder 1"/>
+          <p:cNvSpPr>
+            <a:spLocks noGrp="1" noRot="1" noChangeAspect="1"/>
+          </p:cNvSpPr>
+          <p:nvPr>
+            <p:ph type="sldImg"/>
+          </p:nvPr>
+        </p:nvSpPr>
+        <p:spPr/>
+      </p:sp>
+      <p:sp>
+        <p:nvSpPr>
+          <p:cNvPr id="3" name="Notes Placeholder 2"/>
+          <p:cNvSpPr>
+            <a:spLocks noGrp="1"/>
+          </p:cNvSpPr>
+          <p:nvPr>
+            <p:ph type="body" idx="1"/>
+          </p:nvPr>
+        </p:nvSpPr>
+        <p:spPr/>
+        <p:txBody>
+          <a:bodyPr/>
+          <a:lstStyle/>
+          <a:p>
+            <a:endParaRPr lang="en-US" dirty="0"/>
+          </a:p>
+        </p:txBody>
+      </p:sp>
+      <p:sp>
+        <p:nvSpPr>
+          <p:cNvPr id="4" name="Slide Number Placeholder 3"/>
+          <p:cNvSpPr>
+            <a:spLocks noGrp="1"/>
+          </p:cNvSpPr>
+          <p:nvPr>
+            <p:ph type="sldNum" sz="quarter" idx="10"/>
+          </p:nvPr>
+        </p:nvSpPr>
+        <p:spPr/>
+        <p:txBody>
+          <a:bodyPr/>
+          <a:lstStyle/>
+          <a:p>
+            <a:fld id="{4CFD207A-07DF-40AD-A916-9872E089CE7A}" type="slidenum">
+              <a:rPr lang="en-US" smtClean="0"/>
+              <a:t>12</a:t>
             </a:fld>
             <a:endParaRPr lang="en-US"/>
           </a:p>
@@ -1557,7 +1821,7 @@
   </p:timing>
   <p:extLst mod="1">
     <p:ext uri="{DCECCB84-F9BA-43D5-87BE-67443E8EF086}">
-      <p15:sldGuideLst xmlns:p15="http://schemas.microsoft.com/office/powerpoint/2012/main" xmlns="">
+      <p15:sldGuideLst xmlns="" xmlns:p15="http://schemas.microsoft.com/office/powerpoint/2012/main">
         <p15:guide id="1" orient="horz" pos="3792">
           <p15:clr>
             <a:srgbClr val="FBAE40"/>
@@ -2216,7 +2480,7 @@
   </p:timing>
   <p:extLst mod="1">
     <p:ext uri="{DCECCB84-F9BA-43D5-87BE-67443E8EF086}">
-      <p15:sldGuideLst xmlns:p15="http://schemas.microsoft.com/office/powerpoint/2012/main" xmlns="">
+      <p15:sldGuideLst xmlns="" xmlns:p15="http://schemas.microsoft.com/office/powerpoint/2012/main">
         <p15:guide id="1" orient="horz" pos="2160">
           <p15:clr>
             <a:srgbClr val="FBAE40"/>
@@ -4022,8 +4286,256 @@
           <a:lstStyle/>
           <a:p>
             <a:r>
-              <a:rPr lang="en-US" smtClean="0"/>
-              <a:t>esponsive </a:t>
+              <a:rPr lang="en-US" dirty="0" smtClean="0"/>
+              <a:t>Creating queries</a:t>
+            </a:r>
+            <a:endParaRPr lang="en-US" dirty="0"/>
+          </a:p>
+        </p:txBody>
+      </p:sp>
+    </p:spTree>
+    <p:extLst>
+      <p:ext uri="{BB962C8B-B14F-4D97-AF65-F5344CB8AC3E}">
+        <p14:creationId xmlns:p14="http://schemas.microsoft.com/office/powerpoint/2010/main" val="4277900486"/>
+      </p:ext>
+    </p:extLst>
+  </p:cSld>
+  <p:clrMapOvr>
+    <a:masterClrMapping/>
+  </p:clrMapOvr>
+  <p:timing>
+    <p:tnLst>
+      <p:par>
+        <p:cTn xmlns:p14="http://schemas.microsoft.com/office/powerpoint/2010/main" id="1" dur="indefinite" restart="never" nodeType="tmRoot"/>
+      </p:par>
+    </p:tnLst>
+  </p:timing>
+</p:sld>
+</file>
+
+<file path=ppt/slides/slide11.xml><?xml version="1.0" encoding="utf-8"?>
+<p:sld xmlns:a="http://schemas.openxmlformats.org/drawingml/2006/main" xmlns:r="http://schemas.openxmlformats.org/officeDocument/2006/relationships" xmlns:p="http://schemas.openxmlformats.org/presentationml/2006/main">
+  <p:cSld>
+    <p:spTree>
+      <p:nvGrpSpPr>
+        <p:cNvPr id="1" name=""/>
+        <p:cNvGrpSpPr/>
+        <p:nvPr/>
+      </p:nvGrpSpPr>
+      <p:grpSpPr>
+        <a:xfrm>
+          <a:off x="0" y="0"/>
+          <a:ext cx="0" cy="0"/>
+          <a:chOff x="0" y="0"/>
+          <a:chExt cx="0" cy="0"/>
+        </a:xfrm>
+      </p:grpSpPr>
+      <p:sp>
+        <p:nvSpPr>
+          <p:cNvPr id="5" name="Text Placeholder 4"/>
+          <p:cNvSpPr>
+            <a:spLocks noGrp="1"/>
+          </p:cNvSpPr>
+          <p:nvPr>
+            <p:ph type="body" sz="quarter" idx="10"/>
+          </p:nvPr>
+        </p:nvSpPr>
+        <p:spPr/>
+        <p:txBody>
+          <a:bodyPr/>
+          <a:lstStyle/>
+          <a:p>
+            <a:r>
+              <a:rPr lang="en-US" dirty="0"/>
+              <a:t>Deciding and styling content</a:t>
+            </a:r>
+          </a:p>
+        </p:txBody>
+      </p:sp>
+      <p:sp>
+        <p:nvSpPr>
+          <p:cNvPr id="4" name="Subtitle 3"/>
+          <p:cNvSpPr>
+            <a:spLocks noGrp="1"/>
+          </p:cNvSpPr>
+          <p:nvPr>
+            <p:ph type="subTitle" idx="1"/>
+          </p:nvPr>
+        </p:nvSpPr>
+        <p:spPr/>
+        <p:txBody>
+          <a:bodyPr/>
+          <a:lstStyle/>
+          <a:p>
+            <a:endParaRPr lang="en-US" dirty="0"/>
+          </a:p>
+        </p:txBody>
+      </p:sp>
+    </p:spTree>
+    <p:extLst>
+      <p:ext uri="{BB962C8B-B14F-4D97-AF65-F5344CB8AC3E}">
+        <p14:creationId xmlns:p14="http://schemas.microsoft.com/office/powerpoint/2010/main" val="2589891639"/>
+      </p:ext>
+    </p:extLst>
+  </p:cSld>
+  <p:clrMapOvr>
+    <a:masterClrMapping/>
+  </p:clrMapOvr>
+  <p:timing>
+    <p:tnLst>
+      <p:par>
+        <p:cTn xmlns:p14="http://schemas.microsoft.com/office/powerpoint/2010/main" id="1" dur="indefinite" restart="never" nodeType="tmRoot"/>
+      </p:par>
+    </p:tnLst>
+  </p:timing>
+</p:sld>
+</file>
+
+<file path=ppt/slides/slide12.xml><?xml version="1.0" encoding="utf-8"?>
+<p:sld xmlns:a="http://schemas.openxmlformats.org/drawingml/2006/main" xmlns:r="http://schemas.openxmlformats.org/officeDocument/2006/relationships" xmlns:p="http://schemas.openxmlformats.org/presentationml/2006/main">
+  <p:cSld>
+    <p:spTree>
+      <p:nvGrpSpPr>
+        <p:cNvPr id="1" name=""/>
+        <p:cNvGrpSpPr/>
+        <p:nvPr/>
+      </p:nvGrpSpPr>
+      <p:grpSpPr>
+        <a:xfrm>
+          <a:off x="0" y="0"/>
+          <a:ext cx="0" cy="0"/>
+          <a:chOff x="0" y="0"/>
+          <a:chExt cx="0" cy="0"/>
+        </a:xfrm>
+      </p:grpSpPr>
+      <p:sp>
+        <p:nvSpPr>
+          <p:cNvPr id="2" name="Title 1"/>
+          <p:cNvSpPr>
+            <a:spLocks noGrp="1"/>
+          </p:cNvSpPr>
+          <p:nvPr>
+            <p:ph type="title"/>
+          </p:nvPr>
+        </p:nvSpPr>
+        <p:spPr/>
+        <p:txBody>
+          <a:bodyPr/>
+          <a:lstStyle/>
+          <a:p>
+            <a:r>
+              <a:rPr lang="en-US" dirty="0" smtClean="0"/>
+              <a:t>Deciding and styling content</a:t>
+            </a:r>
+            <a:endParaRPr lang="en-US" dirty="0"/>
+          </a:p>
+        </p:txBody>
+      </p:sp>
+      <p:sp>
+        <p:nvSpPr>
+          <p:cNvPr id="3" name="Content Placeholder 2"/>
+          <p:cNvSpPr>
+            <a:spLocks noGrp="1"/>
+          </p:cNvSpPr>
+          <p:nvPr>
+            <p:ph sz="quarter" idx="10"/>
+          </p:nvPr>
+        </p:nvSpPr>
+        <p:spPr/>
+        <p:txBody>
+          <a:bodyPr/>
+          <a:lstStyle/>
+          <a:p>
+            <a:r>
+              <a:rPr lang="en-US" dirty="0" smtClean="0"/>
+              <a:t>Decide on your breaking points</a:t>
+            </a:r>
+          </a:p>
+          <a:p>
+            <a:r>
+              <a:rPr lang="en-US" dirty="0" smtClean="0"/>
+              <a:t>Optimize your text (size and margins)</a:t>
+            </a:r>
+          </a:p>
+          <a:p>
+            <a:r>
+              <a:rPr lang="en-US" dirty="0" smtClean="0"/>
+              <a:t>Adjust touch targets</a:t>
+            </a:r>
+          </a:p>
+          <a:p>
+            <a:r>
+              <a:rPr lang="en-US" dirty="0" smtClean="0"/>
+              <a:t>Use relative sizing</a:t>
+            </a:r>
+          </a:p>
+          <a:p>
+            <a:pPr lvl="1"/>
+            <a:endParaRPr lang="en-US" dirty="0" smtClean="0"/>
+          </a:p>
+          <a:p>
+            <a:endParaRPr lang="en-US" dirty="0" smtClean="0"/>
+          </a:p>
+          <a:p>
+            <a:endParaRPr lang="en-US" dirty="0"/>
+          </a:p>
+        </p:txBody>
+      </p:sp>
+    </p:spTree>
+    <p:extLst>
+      <p:ext uri="{BB962C8B-B14F-4D97-AF65-F5344CB8AC3E}">
+        <p14:creationId xmlns:p14="http://schemas.microsoft.com/office/powerpoint/2010/main" val="631310588"/>
+      </p:ext>
+    </p:extLst>
+  </p:cSld>
+  <p:clrMapOvr>
+    <a:masterClrMapping/>
+  </p:clrMapOvr>
+  <p:timing>
+    <p:tnLst>
+      <p:par>
+        <p:cTn xmlns:p14="http://schemas.microsoft.com/office/powerpoint/2010/main" id="1" dur="indefinite" restart="never" nodeType="tmRoot"/>
+      </p:par>
+    </p:tnLst>
+  </p:timing>
+</p:sld>
+</file>
+
+<file path=ppt/slides/slide13.xml><?xml version="1.0" encoding="utf-8"?>
+<p:sld xmlns:a="http://schemas.openxmlformats.org/drawingml/2006/main" xmlns:r="http://schemas.openxmlformats.org/officeDocument/2006/relationships" xmlns:p="http://schemas.openxmlformats.org/presentationml/2006/main">
+  <p:cSld>
+    <p:spTree>
+      <p:nvGrpSpPr>
+        <p:cNvPr id="1" name=""/>
+        <p:cNvGrpSpPr/>
+        <p:nvPr/>
+      </p:nvGrpSpPr>
+      <p:grpSpPr>
+        <a:xfrm>
+          <a:off x="0" y="0"/>
+          <a:ext cx="0" cy="0"/>
+          <a:chOff x="0" y="0"/>
+          <a:chExt cx="0" cy="0"/>
+        </a:xfrm>
+      </p:grpSpPr>
+      <p:sp>
+        <p:nvSpPr>
+          <p:cNvPr id="4" name="Title 3"/>
+          <p:cNvSpPr>
+            <a:spLocks noGrp="1"/>
+          </p:cNvSpPr>
+          <p:nvPr>
+            <p:ph type="title"/>
+          </p:nvPr>
+        </p:nvSpPr>
+        <p:spPr/>
+        <p:txBody>
+          <a:bodyPr/>
+          <a:lstStyle/>
+          <a:p>
+            <a:r>
+              <a:rPr lang="en-US" dirty="0" smtClean="0"/>
+              <a:t>Responsive </a:t>
             </a:r>
             <a:r>
               <a:rPr lang="en-US" dirty="0" smtClean="0"/>
@@ -4037,6 +4549,43 @@
     <p:extLst>
       <p:ext uri="{BB962C8B-B14F-4D97-AF65-F5344CB8AC3E}">
         <p14:creationId xmlns:p14="http://schemas.microsoft.com/office/powerpoint/2010/main" val="2589686320"/>
+      </p:ext>
+    </p:extLst>
+  </p:cSld>
+  <p:clrMapOvr>
+    <a:masterClrMapping/>
+  </p:clrMapOvr>
+  <p:timing>
+    <p:tnLst>
+      <p:par>
+        <p:cTn xmlns:p14="http://schemas.microsoft.com/office/powerpoint/2010/main" id="1" dur="indefinite" restart="never" nodeType="tmRoot"/>
+      </p:par>
+    </p:tnLst>
+  </p:timing>
+</p:sld>
+</file>
+
+<file path=ppt/slides/slide14.xml><?xml version="1.0" encoding="utf-8"?>
+<p:sld xmlns:a="http://schemas.openxmlformats.org/drawingml/2006/main" xmlns:r="http://schemas.openxmlformats.org/officeDocument/2006/relationships" xmlns:p="http://schemas.openxmlformats.org/presentationml/2006/main">
+  <p:cSld>
+    <p:spTree>
+      <p:nvGrpSpPr>
+        <p:cNvPr id="1" name=""/>
+        <p:cNvGrpSpPr/>
+        <p:nvPr/>
+      </p:nvGrpSpPr>
+      <p:grpSpPr>
+        <a:xfrm>
+          <a:off x="0" y="0"/>
+          <a:ext cx="0" cy="0"/>
+          <a:chOff x="0" y="0"/>
+          <a:chExt cx="0" cy="0"/>
+        </a:xfrm>
+      </p:grpSpPr>
+    </p:spTree>
+    <p:extLst>
+      <p:ext uri="{BB962C8B-B14F-4D97-AF65-F5344CB8AC3E}">
+        <p14:creationId xmlns:p14="http://schemas.microsoft.com/office/powerpoint/2010/main" val="231121876"/>
       </p:ext>
     </p:extLst>
   </p:cSld>
@@ -4250,6 +4799,80 @@
       </p:grpSpPr>
       <p:sp>
         <p:nvSpPr>
+          <p:cNvPr id="7" name="Content Placeholder 6"/>
+          <p:cNvSpPr>
+            <a:spLocks noGrp="1"/>
+          </p:cNvSpPr>
+          <p:nvPr>
+            <p:ph sz="quarter" idx="10"/>
+          </p:nvPr>
+        </p:nvSpPr>
+        <p:spPr/>
+        <p:txBody>
+          <a:bodyPr>
+            <a:normAutofit/>
+          </a:bodyPr>
+          <a:lstStyle/>
+          <a:p>
+            <a:pPr marL="0" indent="0">
+              <a:buNone/>
+            </a:pPr>
+            <a:endParaRPr lang="en-GB" dirty="0" smtClean="0"/>
+          </a:p>
+          <a:p>
+            <a:r>
+              <a:rPr lang="en-GB" dirty="0" smtClean="0"/>
+              <a:t>A List Apart (</a:t>
+            </a:r>
+            <a:r>
+              <a:rPr lang="en-GB" dirty="0">
+                <a:hlinkClick r:id="rId3"/>
+              </a:rPr>
+              <a:t>http://alistapart.com</a:t>
+            </a:r>
+            <a:r>
+              <a:rPr lang="en-GB" dirty="0" smtClean="0">
+                <a:hlinkClick r:id="rId3"/>
+              </a:rPr>
+              <a:t>/</a:t>
+            </a:r>
+            <a:r>
+              <a:rPr lang="en-GB" dirty="0" smtClean="0"/>
+              <a:t>)</a:t>
+            </a:r>
+          </a:p>
+          <a:p>
+            <a:r>
+              <a:rPr lang="en-GB" dirty="0" smtClean="0"/>
+              <a:t>Square (</a:t>
+            </a:r>
+            <a:r>
+              <a:rPr lang="en-GB" dirty="0">
+                <a:hlinkClick r:id="rId4"/>
+              </a:rPr>
+              <a:t>https://squareup.com</a:t>
+            </a:r>
+            <a:r>
+              <a:rPr lang="en-GB" dirty="0" smtClean="0">
+                <a:hlinkClick r:id="rId4"/>
+              </a:rPr>
+              <a:t>/</a:t>
+            </a:r>
+            <a:r>
+              <a:rPr lang="en-GB" dirty="0" smtClean="0"/>
+              <a:t>)</a:t>
+            </a:r>
+          </a:p>
+          <a:p>
+            <a:endParaRPr lang="en-GB" dirty="0" smtClean="0"/>
+          </a:p>
+          <a:p>
+            <a:endParaRPr lang="en-GB" dirty="0" smtClean="0"/>
+          </a:p>
+        </p:txBody>
+      </p:sp>
+      <p:sp>
+        <p:nvSpPr>
           <p:cNvPr id="2" name="Title 1"/>
           <p:cNvSpPr>
             <a:spLocks noGrp="1"/>
@@ -4260,56 +4883,15 @@
         </p:nvSpPr>
         <p:spPr/>
         <p:txBody>
-          <a:bodyPr/>
+          <a:bodyPr>
+            <a:normAutofit/>
+          </a:bodyPr>
           <a:lstStyle/>
           <a:p>
             <a:r>
               <a:rPr lang="en-US" dirty="0" smtClean="0"/>
-              <a:t>Creating a query</a:t>
-            </a:r>
-            <a:endParaRPr lang="en-US" dirty="0"/>
-          </a:p>
-        </p:txBody>
-      </p:sp>
-      <p:sp>
-        <p:nvSpPr>
-          <p:cNvPr id="3" name="Content Placeholder 2"/>
-          <p:cNvSpPr>
-            <a:spLocks noGrp="1"/>
-          </p:cNvSpPr>
-          <p:nvPr>
-            <p:ph sz="quarter" idx="10"/>
-          </p:nvPr>
-        </p:nvSpPr>
-        <p:spPr/>
-        <p:txBody>
-          <a:bodyPr/>
-          <a:lstStyle/>
-          <a:p>
-            <a:r>
-              <a:rPr lang="en-US" dirty="0" smtClean="0"/>
-              <a:t>Media Type</a:t>
-            </a:r>
-          </a:p>
-          <a:p>
-            <a:r>
-              <a:rPr lang="en-US" dirty="0" smtClean="0"/>
-              <a:t>Media Features – parameters of the media type</a:t>
-            </a:r>
-          </a:p>
-          <a:p>
-            <a:r>
-              <a:rPr lang="en-US" dirty="0" smtClean="0"/>
-              <a:t>Logical Operators – and, or, not, only</a:t>
-            </a:r>
-          </a:p>
-          <a:p>
-            <a:endParaRPr lang="en-US" dirty="0" smtClean="0"/>
-          </a:p>
-          <a:p>
-            <a:endParaRPr lang="en-US" dirty="0" smtClean="0"/>
-          </a:p>
-          <a:p>
+              <a:t>Examples of great media queries</a:t>
+            </a:r>
             <a:endParaRPr lang="en-US" dirty="0"/>
           </a:p>
         </p:txBody>
@@ -4317,7 +4899,7 @@
     </p:spTree>
     <p:extLst>
       <p:ext uri="{BB962C8B-B14F-4D97-AF65-F5344CB8AC3E}">
-        <p14:creationId xmlns:p14="http://schemas.microsoft.com/office/powerpoint/2010/main" val="1457230974"/>
+        <p14:creationId xmlns:p14="http://schemas.microsoft.com/office/powerpoint/2010/main" val="1249662444"/>
       </p:ext>
     </p:extLst>
   </p:cSld>
@@ -4368,7 +4950,7 @@
           <a:p>
             <a:r>
               <a:rPr lang="en-US" dirty="0" smtClean="0"/>
-              <a:t>Query Properties</a:t>
+              <a:t>Creating a query</a:t>
             </a:r>
             <a:endParaRPr lang="en-US" dirty="0"/>
           </a:p>
@@ -4391,29 +4973,28 @@
           <a:p>
             <a:r>
               <a:rPr lang="en-US" dirty="0" smtClean="0"/>
-              <a:t>Minimum width/height</a:t>
-            </a:r>
-          </a:p>
-          <a:p>
+              <a:t>Media </a:t>
+            </a:r>
             <a:r>
               <a:rPr lang="en-US" dirty="0" smtClean="0"/>
-              <a:t>Maximum width/height</a:t>
+              <a:t>Type</a:t>
             </a:r>
           </a:p>
           <a:p>
             <a:r>
               <a:rPr lang="en-US" dirty="0" smtClean="0"/>
-              <a:t>Screen orientation</a:t>
-            </a:r>
+              <a:t>Media Features</a:t>
+            </a:r>
+            <a:endParaRPr lang="en-US" dirty="0" smtClean="0"/>
           </a:p>
           <a:p>
             <a:r>
               <a:rPr lang="en-US" dirty="0" smtClean="0"/>
-              <a:t>Device </a:t>
+              <a:t>Logical </a:t>
             </a:r>
             <a:r>
               <a:rPr lang="en-US" dirty="0" smtClean="0"/>
-              <a:t>width</a:t>
+              <a:t>Operators</a:t>
             </a:r>
             <a:endParaRPr lang="en-US" dirty="0" smtClean="0"/>
           </a:p>
@@ -4428,7 +5009,7 @@
     </p:spTree>
     <p:extLst>
       <p:ext uri="{BB962C8B-B14F-4D97-AF65-F5344CB8AC3E}">
-        <p14:creationId xmlns:p14="http://schemas.microsoft.com/office/powerpoint/2010/main" val="1127165995"/>
+        <p14:creationId xmlns:p14="http://schemas.microsoft.com/office/powerpoint/2010/main" val="1457230974"/>
       </p:ext>
     </p:extLst>
   </p:cSld>
@@ -4479,7 +5060,7 @@
           <a:p>
             <a:r>
               <a:rPr lang="en-US" dirty="0" smtClean="0"/>
-              <a:t>Query Properties</a:t>
+              <a:t>Media Types</a:t>
             </a:r>
             <a:endParaRPr lang="en-US" dirty="0"/>
           </a:p>
@@ -4501,86 +5082,70 @@
           <a:lstStyle/>
           <a:p>
             <a:r>
-              <a:rPr lang="en-US" dirty="0" smtClean="0"/>
-              <a:t>Minimum width/</a:t>
-            </a:r>
-            <a:r>
-              <a:rPr lang="en-US" dirty="0" smtClean="0"/>
-              <a:t>height</a:t>
-            </a:r>
-          </a:p>
-          <a:p>
-            <a:pPr marL="457046" lvl="1" indent="0">
-              <a:buNone/>
-            </a:pPr>
-            <a:r>
-              <a:rPr lang="en-US" dirty="0" smtClean="0"/>
-              <a:t>@media (min-width: 700px) { ... }</a:t>
-            </a:r>
-            <a:endParaRPr lang="en-US" dirty="0" smtClean="0"/>
-          </a:p>
-          <a:p>
-            <a:r>
-              <a:rPr lang="en-US" dirty="0" smtClean="0"/>
-              <a:t>Maximum width/height</a:t>
-            </a:r>
-          </a:p>
-          <a:p>
-            <a:pPr marL="457046" lvl="1" indent="0">
-              <a:buNone/>
-            </a:pPr>
-            <a:r>
-              <a:rPr lang="en-US" dirty="0" smtClean="0"/>
-              <a:t>@media </a:t>
-            </a:r>
-            <a:r>
-              <a:rPr lang="en-US" dirty="0"/>
-              <a:t>(min-width: 700px) { ... </a:t>
-            </a:r>
-            <a:r>
-              <a:rPr lang="en-US" dirty="0" smtClean="0"/>
-              <a:t>}</a:t>
-            </a:r>
-            <a:endParaRPr lang="en-US" dirty="0" smtClean="0"/>
-          </a:p>
-          <a:p>
-            <a:r>
-              <a:rPr lang="en-US" dirty="0" smtClean="0"/>
-              <a:t>Screen orientation</a:t>
-            </a:r>
-          </a:p>
-          <a:p>
-            <a:pPr marL="457046" lvl="1" indent="0">
-              <a:buNone/>
-            </a:pPr>
-            <a:r>
-              <a:rPr lang="en-US" dirty="0"/>
-              <a:t>@media all and (orientation: portrait) { ... </a:t>
-            </a:r>
-            <a:r>
-              <a:rPr lang="en-US" dirty="0" smtClean="0"/>
-              <a:t>}</a:t>
-            </a:r>
-            <a:endParaRPr lang="en-US" dirty="0" smtClean="0"/>
-          </a:p>
-          <a:p>
-            <a:r>
-              <a:rPr lang="en-US" dirty="0" smtClean="0"/>
-              <a:t>Screen resolution</a:t>
-            </a:r>
-          </a:p>
-          <a:p>
-            <a:r>
-              <a:rPr lang="en-US" dirty="0" smtClean="0"/>
-              <a:t>Aspect Ratio</a:t>
-            </a:r>
-            <a:endParaRPr lang="en-US" dirty="0" smtClean="0"/>
-          </a:p>
-          <a:p>
-            <a:endParaRPr lang="en-US" dirty="0" smtClean="0"/>
-          </a:p>
-          <a:p>
-            <a:endParaRPr lang="en-US" dirty="0" smtClean="0"/>
+              <a:rPr lang="en-US" sz="2000" b="1" dirty="0" smtClean="0"/>
+              <a:t>All </a:t>
+            </a:r>
+            <a:endParaRPr lang="en-US" sz="2000" b="1" dirty="0"/>
+          </a:p>
+          <a:p>
+            <a:r>
+              <a:rPr lang="en-US" sz="2000" b="1" dirty="0" smtClean="0"/>
+              <a:t>Print</a:t>
+            </a:r>
+            <a:endParaRPr lang="en-US" sz="2000" b="1" dirty="0"/>
+          </a:p>
+          <a:p>
+            <a:r>
+              <a:rPr lang="en-US" sz="2000" b="1" dirty="0" smtClean="0"/>
+              <a:t>Screen</a:t>
+            </a:r>
+            <a:endParaRPr lang="en-US" sz="2000" b="1" dirty="0"/>
+          </a:p>
+          <a:p>
+            <a:r>
+              <a:rPr lang="en-US" sz="2000" b="1" dirty="0" smtClean="0"/>
+              <a:t>Speech </a:t>
+            </a:r>
+          </a:p>
+          <a:p>
+            <a:r>
+              <a:rPr lang="en-US" sz="2000" dirty="0" smtClean="0"/>
+              <a:t>Braille</a:t>
+            </a:r>
+            <a:endParaRPr lang="en-US" sz="2000" dirty="0"/>
+          </a:p>
+          <a:p>
+            <a:r>
+              <a:rPr lang="en-US" sz="2000" dirty="0" smtClean="0"/>
+              <a:t>Embossed</a:t>
+            </a:r>
+          </a:p>
+          <a:p>
+            <a:r>
+              <a:rPr lang="en-US" sz="2000" dirty="0" smtClean="0"/>
+              <a:t>Handheld</a:t>
+            </a:r>
+            <a:endParaRPr lang="en-US" sz="2000" dirty="0"/>
+          </a:p>
+          <a:p>
+            <a:r>
+              <a:rPr lang="en-US" sz="2000" dirty="0" smtClean="0"/>
+              <a:t>Projection</a:t>
+            </a:r>
+          </a:p>
+          <a:p>
+            <a:r>
+              <a:rPr lang="en-US" sz="2000" dirty="0" smtClean="0"/>
+              <a:t>TTY</a:t>
+            </a:r>
+            <a:endParaRPr lang="en-US" sz="2000" dirty="0"/>
+          </a:p>
+          <a:p>
+            <a:r>
+              <a:rPr lang="en-US" sz="2000" dirty="0" smtClean="0"/>
+              <a:t>TV</a:t>
+            </a:r>
+            <a:endParaRPr lang="en-US" sz="2000" dirty="0" smtClean="0"/>
           </a:p>
           <a:p>
             <a:endParaRPr lang="en-US" dirty="0"/>
@@ -4590,7 +5155,7 @@
     </p:spTree>
     <p:extLst>
       <p:ext uri="{BB962C8B-B14F-4D97-AF65-F5344CB8AC3E}">
-        <p14:creationId xmlns:p14="http://schemas.microsoft.com/office/powerpoint/2010/main" val="813343978"/>
+        <p14:creationId xmlns:p14="http://schemas.microsoft.com/office/powerpoint/2010/main" val="2952151099"/>
       </p:ext>
     </p:extLst>
   </p:cSld>
@@ -4626,7 +5191,7 @@
       </p:grpSpPr>
       <p:sp>
         <p:nvSpPr>
-          <p:cNvPr id="4" name="Title 3"/>
+          <p:cNvPr id="2" name="Title 1"/>
           <p:cNvSpPr>
             <a:spLocks noGrp="1"/>
           </p:cNvSpPr>
@@ -4641,16 +5206,135 @@
           <a:p>
             <a:r>
               <a:rPr lang="en-US" dirty="0" smtClean="0"/>
-              <a:t>Creating queries</a:t>
+              <a:t>Media Features</a:t>
             </a:r>
             <a:endParaRPr lang="en-US" dirty="0"/>
+          </a:p>
+        </p:txBody>
+      </p:sp>
+      <p:sp>
+        <p:nvSpPr>
+          <p:cNvPr id="3" name="Content Placeholder 2"/>
+          <p:cNvSpPr>
+            <a:spLocks noGrp="1"/>
+          </p:cNvSpPr>
+          <p:nvPr>
+            <p:ph sz="quarter" idx="10"/>
+          </p:nvPr>
+        </p:nvSpPr>
+        <p:spPr/>
+        <p:txBody>
+          <a:bodyPr numCol="2"/>
+          <a:lstStyle/>
+          <a:p>
+            <a:r>
+              <a:rPr lang="en-US" sz="2000" b="1" dirty="0" smtClean="0"/>
+              <a:t>Width/Height </a:t>
+            </a:r>
+          </a:p>
+          <a:p>
+            <a:r>
+              <a:rPr lang="en-US" sz="2000" b="1" dirty="0"/>
+              <a:t>D</a:t>
+            </a:r>
+            <a:r>
+              <a:rPr lang="en-US" sz="2000" b="1" dirty="0" smtClean="0"/>
+              <a:t>evice-</a:t>
+            </a:r>
+            <a:r>
+              <a:rPr lang="en-US" sz="2000" b="1" dirty="0"/>
+              <a:t>W</a:t>
+            </a:r>
+            <a:r>
+              <a:rPr lang="en-US" sz="2000" b="1" dirty="0" smtClean="0"/>
+              <a:t>idth/Device-</a:t>
+            </a:r>
+            <a:r>
+              <a:rPr lang="en-US" sz="2000" b="1" dirty="0"/>
+              <a:t>H</a:t>
+            </a:r>
+            <a:r>
+              <a:rPr lang="en-US" sz="2000" b="1" dirty="0" smtClean="0"/>
+              <a:t>eight</a:t>
+            </a:r>
+          </a:p>
+          <a:p>
+            <a:r>
+              <a:rPr lang="en-US" sz="2000" b="1" dirty="0" smtClean="0"/>
+              <a:t>Orientation</a:t>
+            </a:r>
+            <a:endParaRPr lang="en-US" sz="2000" b="1" dirty="0"/>
+          </a:p>
+          <a:p>
+            <a:r>
+              <a:rPr lang="en-US" sz="2000" dirty="0" smtClean="0"/>
+              <a:t>Aspect-ratio</a:t>
+            </a:r>
+          </a:p>
+          <a:p>
+            <a:r>
+              <a:rPr lang="en-US" sz="2000" dirty="0" smtClean="0"/>
+              <a:t>Device-aspect-ratio</a:t>
+            </a:r>
+            <a:endParaRPr lang="en-US" sz="2000" dirty="0"/>
+          </a:p>
+          <a:p>
+            <a:r>
+              <a:rPr lang="en-US" sz="2000" dirty="0" smtClean="0"/>
+              <a:t>Color</a:t>
+            </a:r>
+          </a:p>
+          <a:p>
+            <a:r>
+              <a:rPr lang="en-US" sz="2000" dirty="0"/>
+              <a:t>C</a:t>
+            </a:r>
+            <a:r>
+              <a:rPr lang="en-US" sz="2000" dirty="0" smtClean="0"/>
+              <a:t>olor</a:t>
+            </a:r>
+            <a:r>
+              <a:rPr lang="en-US" sz="2000" dirty="0"/>
+              <a:t>-</a:t>
+            </a:r>
+            <a:r>
+              <a:rPr lang="en-US" sz="2000" dirty="0" smtClean="0"/>
+              <a:t>index</a:t>
+            </a:r>
+          </a:p>
+          <a:p>
+            <a:r>
+              <a:rPr lang="en-US" sz="2000" dirty="0" smtClean="0"/>
+              <a:t>Monochrome</a:t>
+            </a:r>
+          </a:p>
+          <a:p>
+            <a:r>
+              <a:rPr lang="en-US" sz="2000" dirty="0" smtClean="0"/>
+              <a:t>Resolution</a:t>
+            </a:r>
+          </a:p>
+          <a:p>
+            <a:r>
+              <a:rPr lang="en-US" sz="2000" dirty="0" smtClean="0"/>
+              <a:t>Scan</a:t>
+            </a:r>
+          </a:p>
+          <a:p>
+            <a:r>
+              <a:rPr lang="en-US" sz="2000" dirty="0" smtClean="0"/>
+              <a:t>Grid</a:t>
+            </a:r>
+          </a:p>
+          <a:p>
+            <a:endParaRPr lang="en-US" sz="2000" dirty="0"/>
           </a:p>
         </p:txBody>
       </p:sp>
     </p:spTree>
     <p:extLst>
       <p:ext uri="{BB962C8B-B14F-4D97-AF65-F5344CB8AC3E}">
-        <p14:creationId xmlns:p14="http://schemas.microsoft.com/office/powerpoint/2010/main" val="4277900486"/>
+        <p14:creationId xmlns:p14="http://schemas.microsoft.com/office/powerpoint/2010/main" val="1127165995"/>
       </p:ext>
     </p:extLst>
   </p:cSld>
@@ -4686,12 +5370,12 @@
       </p:grpSpPr>
       <p:sp>
         <p:nvSpPr>
-          <p:cNvPr id="5" name="Text Placeholder 4"/>
+          <p:cNvPr id="2" name="Title 1"/>
           <p:cNvSpPr>
             <a:spLocks noGrp="1"/>
           </p:cNvSpPr>
           <p:nvPr>
-            <p:ph type="body" sz="quarter" idx="10"/>
+            <p:ph type="title"/>
           </p:nvPr>
         </p:nvSpPr>
         <p:spPr/>
@@ -4700,26 +5384,57 @@
           <a:lstStyle/>
           <a:p>
             <a:r>
-              <a:rPr lang="en-US" dirty="0"/>
-              <a:t>Deciding and styling content</a:t>
-            </a:r>
-          </a:p>
-        </p:txBody>
-      </p:sp>
-      <p:sp>
-        <p:nvSpPr>
-          <p:cNvPr id="4" name="Subtitle 3"/>
+              <a:rPr lang="en-US" dirty="0" smtClean="0"/>
+              <a:t>Logical Operators</a:t>
+            </a:r>
+            <a:endParaRPr lang="en-US" dirty="0"/>
+          </a:p>
+        </p:txBody>
+      </p:sp>
+      <p:sp>
+        <p:nvSpPr>
+          <p:cNvPr id="3" name="Content Placeholder 2"/>
           <p:cNvSpPr>
             <a:spLocks noGrp="1"/>
           </p:cNvSpPr>
           <p:nvPr>
-            <p:ph type="subTitle" idx="1"/>
+            <p:ph sz="quarter" idx="10"/>
           </p:nvPr>
         </p:nvSpPr>
         <p:spPr/>
         <p:txBody>
           <a:bodyPr/>
           <a:lstStyle/>
+          <a:p>
+            <a:r>
+              <a:rPr lang="en-US" dirty="0" smtClean="0"/>
+              <a:t>And – if all conditions are satisfied</a:t>
+            </a:r>
+          </a:p>
+          <a:p>
+            <a:r>
+              <a:rPr lang="en-US" dirty="0" smtClean="0"/>
+              <a:t>Or – comma separated</a:t>
+            </a:r>
+          </a:p>
+          <a:p>
+            <a:r>
+              <a:rPr lang="en-US" dirty="0" smtClean="0"/>
+              <a:t>Not – only if this condition is not true</a:t>
+            </a:r>
+          </a:p>
+          <a:p>
+            <a:pPr marL="0" indent="0">
+              <a:buNone/>
+            </a:pPr>
+            <a:endParaRPr lang="en-US" dirty="0" smtClean="0"/>
+          </a:p>
+          <a:p>
+            <a:endParaRPr lang="en-US" dirty="0" smtClean="0"/>
+          </a:p>
+          <a:p>
+            <a:endParaRPr lang="en-US" dirty="0" smtClean="0"/>
+          </a:p>
           <a:p>
             <a:endParaRPr lang="en-US" dirty="0"/>
           </a:p>
@@ -4728,7 +5443,7 @@
     </p:spTree>
     <p:extLst>
       <p:ext uri="{BB962C8B-B14F-4D97-AF65-F5344CB8AC3E}">
-        <p14:creationId xmlns:p14="http://schemas.microsoft.com/office/powerpoint/2010/main" val="2589891639"/>
+        <p14:creationId xmlns:p14="http://schemas.microsoft.com/office/powerpoint/2010/main" val="813343978"/>
       </p:ext>
     </p:extLst>
   </p:cSld>
@@ -4779,7 +5494,7 @@
           <a:p>
             <a:r>
               <a:rPr lang="en-US" dirty="0" smtClean="0"/>
-              <a:t>Deciding and styling content</a:t>
+              <a:t>Example Queries</a:t>
             </a:r>
             <a:endParaRPr lang="en-US" dirty="0"/>
           </a:p>
@@ -4795,50 +5510,201 @@
             <p:ph sz="quarter" idx="10"/>
           </p:nvPr>
         </p:nvSpPr>
-        <p:spPr/>
+        <p:spPr>
+          <a:xfrm>
+            <a:off x="379413" y="1081914"/>
+            <a:ext cx="11525250" cy="5596700"/>
+          </a:xfrm>
+        </p:spPr>
         <p:txBody>
           <a:bodyPr/>
           <a:lstStyle/>
           <a:p>
-            <a:r>
-              <a:rPr lang="en-US" dirty="0" smtClean="0"/>
-              <a:t>Decide on your breaking points</a:t>
-            </a:r>
-          </a:p>
-          <a:p>
-            <a:r>
-              <a:rPr lang="en-US" dirty="0" smtClean="0"/>
-              <a:t>Optimize your text (size and margins)</a:t>
-            </a:r>
-          </a:p>
-          <a:p>
-            <a:r>
-              <a:rPr lang="en-US" dirty="0" smtClean="0"/>
-              <a:t>Adjust touch targets</a:t>
-            </a:r>
-          </a:p>
-          <a:p>
-            <a:r>
-              <a:rPr lang="en-US" dirty="0" smtClean="0"/>
-              <a:t>Use relative sizing</a:t>
-            </a:r>
-          </a:p>
-          <a:p>
-            <a:pPr lvl="1"/>
-            <a:endParaRPr lang="en-US" dirty="0" smtClean="0"/>
-          </a:p>
-          <a:p>
-            <a:endParaRPr lang="en-US" dirty="0" smtClean="0"/>
-          </a:p>
-          <a:p>
-            <a:endParaRPr lang="en-US" dirty="0"/>
+            <a:pPr marL="0" indent="0">
+              <a:buNone/>
+            </a:pPr>
+            <a:r>
+              <a:rPr lang="en-US" sz="2400" dirty="0">
+                <a:latin typeface="Segoe ui light"/>
+                <a:cs typeface="Segoe ui light"/>
+              </a:rPr>
+              <a:t>@media (min-width:500px) { ... </a:t>
+            </a:r>
+            <a:r>
+              <a:rPr lang="en-US" sz="2400" dirty="0" smtClean="0">
+                <a:latin typeface="Segoe ui light"/>
+                <a:cs typeface="Segoe ui light"/>
+              </a:rPr>
+              <a:t>} </a:t>
+            </a:r>
+            <a:endParaRPr lang="en-US" sz="2400" dirty="0">
+              <a:latin typeface="Segoe ui light"/>
+              <a:cs typeface="Segoe ui light"/>
+            </a:endParaRPr>
+          </a:p>
+          <a:p>
+            <a:pPr marL="0" indent="0">
+              <a:buNone/>
+            </a:pPr>
+            <a:r>
+              <a:rPr lang="en-US" sz="2400" dirty="0" smtClean="0">
+                <a:latin typeface="Segoe ui light"/>
+                <a:cs typeface="Segoe ui light"/>
+              </a:rPr>
+              <a:t>	page width &gt; 500px</a:t>
+            </a:r>
+          </a:p>
+          <a:p>
+            <a:pPr marL="0" indent="0">
+              <a:buNone/>
+            </a:pPr>
+            <a:r>
+              <a:rPr lang="en-US" sz="1000" dirty="0" smtClean="0">
+                <a:latin typeface="Segoe ui light"/>
+                <a:cs typeface="Segoe ui light"/>
+              </a:rPr>
+              <a:t> </a:t>
+            </a:r>
+            <a:endParaRPr lang="en-US" sz="1000" dirty="0">
+              <a:latin typeface="Segoe ui light"/>
+              <a:cs typeface="Segoe ui light"/>
+            </a:endParaRPr>
+          </a:p>
+          <a:p>
+            <a:pPr marL="0" indent="0">
+              <a:buNone/>
+            </a:pPr>
+            <a:r>
+              <a:rPr lang="en-US" sz="2400" dirty="0">
+                <a:latin typeface="Segoe ui light"/>
+                <a:cs typeface="Segoe ui light"/>
+              </a:rPr>
+              <a:t>@media (min-width: 700px) and (max-width: 960px</a:t>
+            </a:r>
+            <a:r>
+              <a:rPr lang="en-US" sz="2400" dirty="0" smtClean="0">
+                <a:latin typeface="Segoe ui light"/>
+                <a:cs typeface="Segoe ui light"/>
+              </a:rPr>
+              <a:t>){ … } </a:t>
+            </a:r>
+          </a:p>
+          <a:p>
+            <a:pPr marL="0" indent="0">
+              <a:buNone/>
+            </a:pPr>
+            <a:r>
+              <a:rPr lang="en-US" sz="2400" dirty="0" smtClean="0">
+                <a:latin typeface="Segoe ui light"/>
+                <a:cs typeface="Segoe ui light"/>
+              </a:rPr>
+              <a:t>	700px &lt; page width &lt; 960px</a:t>
+            </a:r>
+            <a:endParaRPr lang="en-US" sz="2400" dirty="0">
+              <a:latin typeface="Segoe ui light"/>
+              <a:cs typeface="Segoe ui light"/>
+            </a:endParaRPr>
+          </a:p>
+          <a:p>
+            <a:pPr marL="0" indent="0">
+              <a:buNone/>
+            </a:pPr>
+            <a:r>
+              <a:rPr lang="en-US" sz="1000" dirty="0" smtClean="0">
+                <a:latin typeface="Segoe ui light"/>
+                <a:cs typeface="Segoe ui light"/>
+              </a:rPr>
+              <a:t> </a:t>
+            </a:r>
+            <a:endParaRPr lang="en-US" sz="1000" dirty="0">
+              <a:latin typeface="Segoe ui light"/>
+              <a:cs typeface="Segoe ui light"/>
+            </a:endParaRPr>
+          </a:p>
+          <a:p>
+            <a:pPr marL="0" indent="0">
+              <a:buNone/>
+            </a:pPr>
+            <a:r>
+              <a:rPr lang="en-US" sz="2400" dirty="0">
+                <a:latin typeface="Segoe ui light"/>
+                <a:cs typeface="Segoe ui light"/>
+              </a:rPr>
+              <a:t>@media screen and not (device-aspect-ratio: 4/3) { ... </a:t>
+            </a:r>
+            <a:r>
+              <a:rPr lang="en-US" sz="2400" dirty="0" smtClean="0">
+                <a:latin typeface="Segoe ui light"/>
+                <a:cs typeface="Segoe ui light"/>
+              </a:rPr>
+              <a:t>} </a:t>
+            </a:r>
+          </a:p>
+          <a:p>
+            <a:pPr marL="0" indent="0">
+              <a:buNone/>
+            </a:pPr>
+            <a:r>
+              <a:rPr lang="en-US" sz="2400" dirty="0">
+                <a:latin typeface="Segoe ui light"/>
+                <a:cs typeface="Segoe ui light"/>
+              </a:rPr>
+              <a:t>	</a:t>
+            </a:r>
+            <a:r>
+              <a:rPr lang="en-US" sz="2400" dirty="0" smtClean="0">
+                <a:latin typeface="Segoe ui light"/>
+                <a:cs typeface="Segoe ui light"/>
+              </a:rPr>
+              <a:t>device aspect ratio is not 4:3</a:t>
+            </a:r>
+          </a:p>
+          <a:p>
+            <a:pPr marL="0" indent="0">
+              <a:buNone/>
+            </a:pPr>
+            <a:endParaRPr lang="en-US" sz="1000" dirty="0">
+              <a:latin typeface="Segoe ui light"/>
+              <a:cs typeface="Segoe ui light"/>
+            </a:endParaRPr>
+          </a:p>
+          <a:p>
+            <a:pPr marL="0" indent="0">
+              <a:buNone/>
+            </a:pPr>
+            <a:r>
+              <a:rPr lang="en-US" sz="2400" dirty="0">
+                <a:latin typeface="Segoe ui light"/>
+                <a:cs typeface="Segoe ui light"/>
+              </a:rPr>
+              <a:t>@media screen and (device-aspect-ratio: 16/9), screen and (device-aspect-ratio: 16/10) { ... }</a:t>
+            </a:r>
+          </a:p>
+          <a:p>
+            <a:pPr marL="0" indent="0">
+              <a:buNone/>
+            </a:pPr>
+            <a:r>
+              <a:rPr lang="en-US" sz="2400" dirty="0" smtClean="0"/>
+              <a:t>	device aspect ratio is 16:9 or 16:10</a:t>
+            </a:r>
+            <a:endParaRPr lang="en-US" sz="2400" dirty="0" smtClean="0"/>
+          </a:p>
+          <a:p>
+            <a:endParaRPr lang="en-US" sz="2400" dirty="0" smtClean="0"/>
+          </a:p>
+          <a:p>
+            <a:endParaRPr lang="en-US" sz="2400" dirty="0" smtClean="0"/>
+          </a:p>
+          <a:p>
+            <a:endParaRPr lang="en-US" sz="2400" dirty="0"/>
           </a:p>
         </p:txBody>
       </p:sp>
     </p:spTree>
     <p:extLst>
       <p:ext uri="{BB962C8B-B14F-4D97-AF65-F5344CB8AC3E}">
-        <p14:creationId xmlns:p14="http://schemas.microsoft.com/office/powerpoint/2010/main" val="631310588"/>
+        <p14:creationId xmlns:p14="http://schemas.microsoft.com/office/powerpoint/2010/main" val="1056379428"/>
       </p:ext>
     </p:extLst>
   </p:cSld>
@@ -5395,7 +6261,7 @@
   <a:extraClrSchemeLst/>
   <a:extLst>
     <a:ext uri="{05A4C25C-085E-4340-85A3-A5531E510DB2}">
-      <thm15:themeFamily xmlns:thm15="http://schemas.microsoft.com/office/thememl/2012/main" xmlns="" name="Office Theme" id="{62F939B6-93AF-4DB8-9C6B-D6C7DFDC589F}" vid="{4A3C46E8-61CC-4603-A589-7422A47A8E4A}"/>
+      <thm15:themeFamily xmlns="" xmlns:thm15="http://schemas.microsoft.com/office/thememl/2012/main" name="Office Theme" id="{62F939B6-93AF-4DB8-9C6B-D6C7DFDC589F}" vid="{4A3C46E8-61CC-4603-A589-7422A47A8E4A}"/>
     </a:ext>
   </a:extLst>
 </a:theme>
@@ -5656,7 +6522,7 @@
   <a:extraClrSchemeLst/>
   <a:extLst>
     <a:ext uri="{05A4C25C-085E-4340-85A3-A5531E510DB2}">
-      <thm15:themeFamily xmlns:thm15="http://schemas.microsoft.com/office/thememl/2012/main" xmlns="" name="Office Theme" id="{62F939B6-93AF-4DB8-9C6B-D6C7DFDC589F}" vid="{4A3C46E8-61CC-4603-A589-7422A47A8E4A}"/>
+      <thm15:themeFamily xmlns="" xmlns:thm15="http://schemas.microsoft.com/office/thememl/2012/main" name="Office Theme" id="{62F939B6-93AF-4DB8-9C6B-D6C7DFDC589F}" vid="{4A3C46E8-61CC-4603-A589-7422A47A8E4A}"/>
     </a:ext>
   </a:extLst>
 </a:theme>

--- a/Slides/Module 4.pptx
+++ b/Slides/Module 4.pptx
@@ -5,10 +5,10 @@
     <p:sldMasterId id="2147483660" r:id="rId4"/>
   </p:sldMasterIdLst>
   <p:notesMasterIdLst>
-    <p:notesMasterId r:id="rId19"/>
+    <p:notesMasterId r:id="rId20"/>
   </p:notesMasterIdLst>
   <p:handoutMasterIdLst>
-    <p:handoutMasterId r:id="rId20"/>
+    <p:handoutMasterId r:id="rId21"/>
   </p:handoutMasterIdLst>
   <p:sldIdLst>
     <p:sldId id="277" r:id="rId5"/>
@@ -20,11 +20,12 @@
     <p:sldId id="286" r:id="rId11"/>
     <p:sldId id="307" r:id="rId12"/>
     <p:sldId id="313" r:id="rId13"/>
-    <p:sldId id="309" r:id="rId14"/>
-    <p:sldId id="288" r:id="rId15"/>
-    <p:sldId id="305" r:id="rId16"/>
-    <p:sldId id="302" r:id="rId17"/>
-    <p:sldId id="314" r:id="rId18"/>
+    <p:sldId id="315" r:id="rId14"/>
+    <p:sldId id="309" r:id="rId15"/>
+    <p:sldId id="288" r:id="rId16"/>
+    <p:sldId id="305" r:id="rId17"/>
+    <p:sldId id="302" r:id="rId18"/>
+    <p:sldId id="314" r:id="rId19"/>
   </p:sldIdLst>
   <p:sldSz cx="12192000" cy="6858000"/>
   <p:notesSz cx="6858000" cy="9144000"/>
@@ -125,10 +126,21 @@
   </p:defaultTextStyle>
   <p:extLst>
     <p:ext uri="{EFAFB233-063F-42B5-8137-9DF3F51BA10A}">
-      <p15:sldGuideLst xmlns="" xmlns:p15="http://schemas.microsoft.com/office/powerpoint/2012/main"/>
+      <p15:sldGuideLst xmlns:p15="http://schemas.microsoft.com/office/powerpoint/2012/main">
+        <p15:guide id="1" orient="horz" pos="2160">
+          <p15:clr>
+            <a:srgbClr val="A4A3A4"/>
+          </p15:clr>
+        </p15:guide>
+        <p15:guide id="2" pos="3840">
+          <p15:clr>
+            <a:srgbClr val="A4A3A4"/>
+          </p15:clr>
+        </p15:guide>
+      </p15:sldGuideLst>
     </p:ext>
     <p:ext uri="{2D200454-40CA-4A62-9FC3-DE9A4176ACB9}">
-      <p15:notesGuideLst xmlns="" xmlns:p15="http://schemas.microsoft.com/office/powerpoint/2012/main"/>
+      <p15:notesGuideLst xmlns:p15="http://schemas.microsoft.com/office/powerpoint/2012/main"/>
     </p:ext>
   </p:extLst>
 </p:presentation>
@@ -216,7 +228,7 @@
           <a:p>
             <a:fld id="{312E7B4A-039C-48A2-9B2C-AF16AA3873D8}" type="datetimeFigureOut">
               <a:rPr lang="en-US" smtClean="0"/>
-              <a:t>12/3/14</a:t>
+              <a:t>12/3/2014</a:t>
             </a:fld>
             <a:endParaRPr lang="en-US"/>
           </a:p>
@@ -381,7 +393,7 @@
           <a:p>
             <a:fld id="{DA005A0C-54D9-45AA-87D4-C551D08DFCE1}" type="datetimeFigureOut">
               <a:rPr lang="en-US" smtClean="0"/>
-              <a:t>12/3/14</a:t>
+              <a:t>12/3/2014</a:t>
             </a:fld>
             <a:endParaRPr lang="en-US"/>
           </a:p>
@@ -739,6 +751,90 @@
 </p:notes>
 </file>
 
+<file path=ppt/notesSlides/notesSlide10.xml><?xml version="1.0" encoding="utf-8"?>
+<p:notes xmlns:a="http://schemas.openxmlformats.org/drawingml/2006/main" xmlns:r="http://schemas.openxmlformats.org/officeDocument/2006/relationships" xmlns:p="http://schemas.openxmlformats.org/presentationml/2006/main">
+  <p:cSld>
+    <p:spTree>
+      <p:nvGrpSpPr>
+        <p:cNvPr id="1" name=""/>
+        <p:cNvGrpSpPr/>
+        <p:nvPr/>
+      </p:nvGrpSpPr>
+      <p:grpSpPr>
+        <a:xfrm>
+          <a:off x="0" y="0"/>
+          <a:ext cx="0" cy="0"/>
+          <a:chOff x="0" y="0"/>
+          <a:chExt cx="0" cy="0"/>
+        </a:xfrm>
+      </p:grpSpPr>
+      <p:sp>
+        <p:nvSpPr>
+          <p:cNvPr id="2" name="Slide Image Placeholder 1"/>
+          <p:cNvSpPr>
+            <a:spLocks noGrp="1" noRot="1" noChangeAspect="1"/>
+          </p:cNvSpPr>
+          <p:nvPr>
+            <p:ph type="sldImg"/>
+          </p:nvPr>
+        </p:nvSpPr>
+        <p:spPr/>
+      </p:sp>
+      <p:sp>
+        <p:nvSpPr>
+          <p:cNvPr id="3" name="Notes Placeholder 2"/>
+          <p:cNvSpPr>
+            <a:spLocks noGrp="1"/>
+          </p:cNvSpPr>
+          <p:nvPr>
+            <p:ph type="body" idx="1"/>
+          </p:nvPr>
+        </p:nvSpPr>
+        <p:spPr/>
+        <p:txBody>
+          <a:bodyPr/>
+          <a:lstStyle/>
+          <a:p>
+            <a:endParaRPr lang="en-US" dirty="0"/>
+          </a:p>
+        </p:txBody>
+      </p:sp>
+      <p:sp>
+        <p:nvSpPr>
+          <p:cNvPr id="4" name="Slide Number Placeholder 3"/>
+          <p:cNvSpPr>
+            <a:spLocks noGrp="1"/>
+          </p:cNvSpPr>
+          <p:nvPr>
+            <p:ph type="sldNum" sz="quarter" idx="10"/>
+          </p:nvPr>
+        </p:nvSpPr>
+        <p:spPr/>
+        <p:txBody>
+          <a:bodyPr/>
+          <a:lstStyle/>
+          <a:p>
+            <a:fld id="{4CFD207A-07DF-40AD-A916-9872E089CE7A}" type="slidenum">
+              <a:rPr lang="en-US" smtClean="0"/>
+              <a:t>13</a:t>
+            </a:fld>
+            <a:endParaRPr lang="en-US"/>
+          </a:p>
+        </p:txBody>
+      </p:sp>
+    </p:spTree>
+    <p:extLst>
+      <p:ext uri="{BB962C8B-B14F-4D97-AF65-F5344CB8AC3E}">
+        <p14:creationId xmlns:p14="http://schemas.microsoft.com/office/powerpoint/2010/main" val="1678454854"/>
+      </p:ext>
+    </p:extLst>
+  </p:cSld>
+  <p:clrMapOvr>
+    <a:masterClrMapping/>
+  </p:clrMapOvr>
+</p:notes>
+</file>
+
 <file path=ppt/notesSlides/notesSlide2.xml><?xml version="1.0" encoding="utf-8"?>
 <p:notes xmlns:a="http://schemas.openxmlformats.org/drawingml/2006/main" xmlns:r="http://schemas.openxmlformats.org/officeDocument/2006/relationships" xmlns:p="http://schemas.openxmlformats.org/presentationml/2006/main">
   <p:cSld>
@@ -1408,7 +1504,7 @@
           <a:p>
             <a:fld id="{4CFD207A-07DF-40AD-A916-9872E089CE7A}" type="slidenum">
               <a:rPr lang="en-US" smtClean="0"/>
-              <a:t>12</a:t>
+              <a:t>10</a:t>
             </a:fld>
             <a:endParaRPr lang="en-US"/>
           </a:p>
@@ -1417,7 +1513,7 @@
     </p:spTree>
     <p:extLst>
       <p:ext uri="{BB962C8B-B14F-4D97-AF65-F5344CB8AC3E}">
-        <p14:creationId xmlns:p14="http://schemas.microsoft.com/office/powerpoint/2010/main" val="1678454854"/>
+        <p14:creationId xmlns:p14="http://schemas.microsoft.com/office/powerpoint/2010/main" val="2274544166"/>
       </p:ext>
     </p:extLst>
   </p:cSld>
@@ -1815,13 +1911,13 @@
   <p:timing>
     <p:tnLst>
       <p:par>
-        <p:cTn xmlns:p14="http://schemas.microsoft.com/office/powerpoint/2010/main" id="1" dur="indefinite" restart="never" nodeType="tmRoot"/>
+        <p:cTn id="1" dur="indefinite" restart="never" nodeType="tmRoot"/>
       </p:par>
     </p:tnLst>
   </p:timing>
   <p:extLst mod="1">
     <p:ext uri="{DCECCB84-F9BA-43D5-87BE-67443E8EF086}">
-      <p15:sldGuideLst xmlns="" xmlns:p15="http://schemas.microsoft.com/office/powerpoint/2012/main">
+      <p15:sldGuideLst xmlns:p15="http://schemas.microsoft.com/office/powerpoint/2012/main">
         <p15:guide id="1" orient="horz" pos="3792">
           <p15:clr>
             <a:srgbClr val="FBAE40"/>
@@ -2474,13 +2570,13 @@
   <p:timing>
     <p:tnLst>
       <p:par>
-        <p:cTn xmlns:p14="http://schemas.microsoft.com/office/powerpoint/2010/main" id="1" dur="indefinite" restart="never" nodeType="tmRoot"/>
+        <p:cTn id="1" dur="indefinite" restart="never" nodeType="tmRoot"/>
       </p:par>
     </p:tnLst>
   </p:timing>
   <p:extLst mod="1">
     <p:ext uri="{DCECCB84-F9BA-43D5-87BE-67443E8EF086}">
-      <p15:sldGuideLst xmlns="" xmlns:p15="http://schemas.microsoft.com/office/powerpoint/2012/main">
+      <p15:sldGuideLst xmlns:p15="http://schemas.microsoft.com/office/powerpoint/2012/main">
         <p15:guide id="1" orient="horz" pos="2160">
           <p15:clr>
             <a:srgbClr val="FBAE40"/>
@@ -2708,7 +2804,7 @@
   <p:timing>
     <p:tnLst>
       <p:par>
-        <p:cTn xmlns:p14="http://schemas.microsoft.com/office/powerpoint/2010/main" id="1" dur="indefinite" restart="never" nodeType="tmRoot"/>
+        <p:cTn id="1" dur="indefinite" restart="never" nodeType="tmRoot"/>
       </p:par>
     </p:tnLst>
   </p:timing>
@@ -2867,7 +2963,7 @@
   <p:timing>
     <p:tnLst>
       <p:par>
-        <p:cTn xmlns:p14="http://schemas.microsoft.com/office/powerpoint/2010/main" id="1" dur="indefinite" restart="never" nodeType="tmRoot"/>
+        <p:cTn id="1" dur="indefinite" restart="never" nodeType="tmRoot"/>
       </p:par>
     </p:tnLst>
   </p:timing>
@@ -3107,7 +3203,7 @@
   <p:timing>
     <p:tnLst>
       <p:par>
-        <p:cTn xmlns:p14="http://schemas.microsoft.com/office/powerpoint/2010/main" id="1" dur="indefinite" restart="never" nodeType="tmRoot"/>
+        <p:cTn id="1" dur="indefinite" restart="never" nodeType="tmRoot"/>
       </p:par>
     </p:tnLst>
   </p:timing>
@@ -3499,7 +3595,7 @@
   <p:timing>
     <p:tnLst>
       <p:par>
-        <p:cTn xmlns:p14="http://schemas.microsoft.com/office/powerpoint/2010/main" id="1" dur="indefinite" restart="never" nodeType="tmRoot"/>
+        <p:cTn id="1" dur="indefinite" restart="never" nodeType="tmRoot"/>
       </p:par>
     </p:tnLst>
   </p:timing>
@@ -3559,7 +3655,7 @@
   <p:timing>
     <p:tnLst>
       <p:par>
-        <p:cTn xmlns:p14="http://schemas.microsoft.com/office/powerpoint/2010/main" id="1" dur="indefinite" restart="never" nodeType="tmRoot"/>
+        <p:cTn id="1" dur="indefinite" restart="never" nodeType="tmRoot"/>
       </p:par>
     </p:tnLst>
   </p:timing>
@@ -3596,7 +3692,7 @@
   <p:timing>
     <p:tnLst>
       <p:par>
-        <p:cTn xmlns:p14="http://schemas.microsoft.com/office/powerpoint/2010/main" id="1" dur="indefinite" restart="never" nodeType="tmRoot"/>
+        <p:cTn id="1" dur="indefinite" restart="never" nodeType="tmRoot"/>
       </p:par>
     </p:tnLst>
   </p:timing>
@@ -3807,7 +3903,7 @@
   <p:timing>
     <p:tnLst>
       <p:par>
-        <p:cTn xmlns:p14="http://schemas.microsoft.com/office/powerpoint/2010/main" id="1" dur="indefinite" restart="never" nodeType="tmRoot"/>
+        <p:cTn id="1" dur="indefinite" restart="never" nodeType="tmRoot"/>
       </p:par>
     </p:tnLst>
   </p:timing>
@@ -3891,7 +3987,7 @@
   <p:timing>
     <p:tnLst>
       <p:par>
-        <p:cTn xmlns:p14="http://schemas.microsoft.com/office/powerpoint/2010/main" id="1" dur="indefinite" restart="never" nodeType="tmRoot"/>
+        <p:cTn id="1" dur="indefinite" restart="never" nodeType="tmRoot"/>
       </p:par>
     </p:tnLst>
   </p:timing>
@@ -4246,7 +4342,7 @@
   <p:timing>
     <p:tnLst>
       <p:par>
-        <p:cTn xmlns:p14="http://schemas.microsoft.com/office/powerpoint/2010/main" id="1" dur="indefinite" restart="never" nodeType="tmRoot"/>
+        <p:cTn id="1" dur="indefinite" restart="never" nodeType="tmRoot"/>
       </p:par>
     </p:tnLst>
   </p:timing>
@@ -4272,7 +4368,7 @@
       </p:grpSpPr>
       <p:sp>
         <p:nvSpPr>
-          <p:cNvPr id="4" name="Title 3"/>
+          <p:cNvPr id="2" name="Title 1"/>
           <p:cNvSpPr>
             <a:spLocks noGrp="1"/>
           </p:cNvSpPr>
@@ -4287,16 +4383,223 @@
           <a:p>
             <a:r>
               <a:rPr lang="en-US" dirty="0" smtClean="0"/>
-              <a:t>Creating queries</a:t>
+              <a:t>CSS Importing</a:t>
             </a:r>
             <a:endParaRPr lang="en-US" dirty="0"/>
+          </a:p>
+        </p:txBody>
+      </p:sp>
+      <p:sp>
+        <p:nvSpPr>
+          <p:cNvPr id="3" name="Content Placeholder 2"/>
+          <p:cNvSpPr>
+            <a:spLocks noGrp="1"/>
+          </p:cNvSpPr>
+          <p:nvPr>
+            <p:ph sz="quarter" idx="10"/>
+          </p:nvPr>
+        </p:nvSpPr>
+        <p:spPr>
+          <a:xfrm>
+            <a:off x="379413" y="1081914"/>
+            <a:ext cx="11525250" cy="5596700"/>
+          </a:xfrm>
+        </p:spPr>
+        <p:txBody>
+          <a:bodyPr/>
+          <a:lstStyle/>
+          <a:p>
+            <a:pPr marL="0" indent="0">
+              <a:buNone/>
+            </a:pPr>
+            <a:r>
+              <a:rPr lang="en-US" sz="2400" dirty="0" smtClean="0">
+                <a:latin typeface="Segoe ui light"/>
+                <a:cs typeface="Segoe ui light"/>
+              </a:rPr>
+              <a:t>@import </a:t>
+            </a:r>
+            <a:r>
+              <a:rPr lang="en-US" sz="2400" dirty="0" err="1" smtClean="0">
+                <a:latin typeface="Segoe ui light"/>
+                <a:cs typeface="Segoe ui light"/>
+              </a:rPr>
+              <a:t>url</a:t>
+            </a:r>
+            <a:r>
+              <a:rPr lang="en-US" sz="2400" dirty="0" smtClean="0">
+                <a:latin typeface="Segoe ui light"/>
+                <a:cs typeface="Segoe ui light"/>
+              </a:rPr>
+              <a:t>(“custom.css”);</a:t>
+            </a:r>
+          </a:p>
+          <a:p>
+            <a:pPr marL="0" indent="0">
+              <a:buNone/>
+            </a:pPr>
+            <a:r>
+              <a:rPr lang="en-US" sz="2400" dirty="0">
+                <a:latin typeface="Segoe ui light"/>
+                <a:cs typeface="Segoe ui light"/>
+              </a:rPr>
+              <a:t>@import “custom.css</a:t>
+            </a:r>
+            <a:r>
+              <a:rPr lang="en-US" sz="2400" dirty="0" smtClean="0">
+                <a:latin typeface="Segoe ui light"/>
+                <a:cs typeface="Segoe ui light"/>
+              </a:rPr>
+              <a:t>”;</a:t>
+            </a:r>
+          </a:p>
+          <a:p>
+            <a:pPr marL="0" indent="0">
+              <a:buNone/>
+            </a:pPr>
+            <a:r>
+              <a:rPr lang="en-US" sz="2400" dirty="0">
+                <a:latin typeface="Segoe ui light"/>
+                <a:cs typeface="Segoe ui light"/>
+              </a:rPr>
+              <a:t>	</a:t>
+            </a:r>
+            <a:r>
+              <a:rPr lang="en-US" sz="2400" dirty="0" smtClean="0">
+                <a:latin typeface="Segoe ui light"/>
+                <a:cs typeface="Segoe ui light"/>
+              </a:rPr>
+              <a:t>unconditional import if no parameters are specified</a:t>
+            </a:r>
+          </a:p>
+          <a:p>
+            <a:pPr marL="0" indent="0">
+              <a:buNone/>
+            </a:pPr>
+            <a:r>
+              <a:rPr lang="en-US" sz="1000" dirty="0" smtClean="0">
+                <a:latin typeface="Segoe ui light"/>
+                <a:cs typeface="Segoe ui light"/>
+              </a:rPr>
+              <a:t> </a:t>
+            </a:r>
+            <a:endParaRPr lang="en-US" sz="1000" dirty="0">
+              <a:latin typeface="Segoe ui light"/>
+              <a:cs typeface="Segoe ui light"/>
+            </a:endParaRPr>
+          </a:p>
+          <a:p>
+            <a:pPr marL="0" indent="0">
+              <a:buNone/>
+            </a:pPr>
+            <a:r>
+              <a:rPr lang="en-US" sz="2400" dirty="0" smtClean="0">
+                <a:latin typeface="Segoe ui light"/>
+                <a:cs typeface="Segoe ui light"/>
+              </a:rPr>
+              <a:t>@import “basic.css” print;</a:t>
+            </a:r>
+          </a:p>
+          <a:p>
+            <a:pPr marL="0" indent="0">
+              <a:buNone/>
+            </a:pPr>
+            <a:r>
+              <a:rPr lang="en-US" sz="2400" dirty="0" smtClean="0">
+                <a:latin typeface="Segoe ui light"/>
+                <a:cs typeface="Segoe ui light"/>
+              </a:rPr>
+              <a:t>@import </a:t>
+            </a:r>
+            <a:r>
+              <a:rPr lang="en-US" sz="2400" dirty="0" err="1" smtClean="0">
+                <a:latin typeface="Segoe ui light"/>
+                <a:cs typeface="Segoe ui light"/>
+              </a:rPr>
+              <a:t>url</a:t>
+            </a:r>
+            <a:r>
+              <a:rPr lang="en-US" sz="2400" dirty="0" smtClean="0">
+                <a:latin typeface="Segoe ui light"/>
+                <a:cs typeface="Segoe ui light"/>
+              </a:rPr>
+              <a:t>(“large-screen.css”) </a:t>
+            </a:r>
+            <a:r>
+              <a:rPr lang="en-US" sz="2400" dirty="0" err="1" smtClean="0">
+                <a:latin typeface="Segoe ui light"/>
+                <a:cs typeface="Segoe ui light"/>
+              </a:rPr>
+              <a:t>tv</a:t>
+            </a:r>
+            <a:r>
+              <a:rPr lang="en-US" sz="2400" dirty="0" smtClean="0">
+                <a:latin typeface="Segoe ui light"/>
+                <a:cs typeface="Segoe ui light"/>
+              </a:rPr>
+              <a:t>, projection;</a:t>
+            </a:r>
+          </a:p>
+          <a:p>
+            <a:pPr marL="0" indent="0">
+              <a:buNone/>
+            </a:pPr>
+            <a:r>
+              <a:rPr lang="en-US" sz="2400" dirty="0">
+                <a:latin typeface="Segoe ui light"/>
+                <a:cs typeface="Segoe ui light"/>
+              </a:rPr>
+              <a:t>	</a:t>
+            </a:r>
+            <a:r>
+              <a:rPr lang="en-US" sz="2400" dirty="0" smtClean="0">
+                <a:latin typeface="Segoe ui light"/>
+                <a:cs typeface="Segoe ui light"/>
+              </a:rPr>
+              <a:t>conditional media-query based imports</a:t>
+            </a:r>
+          </a:p>
+          <a:p>
+            <a:pPr marL="0" indent="0">
+              <a:buNone/>
+            </a:pPr>
+            <a:endParaRPr lang="en-US" sz="2400" dirty="0">
+              <a:latin typeface="Segoe ui light"/>
+              <a:cs typeface="Segoe ui light"/>
+            </a:endParaRPr>
+          </a:p>
+          <a:p>
+            <a:pPr marL="0" indent="0">
+              <a:buNone/>
+            </a:pPr>
+            <a:r>
+              <a:rPr lang="en-US" sz="2400" dirty="0" smtClean="0">
+                <a:latin typeface="Segoe ui light"/>
+                <a:cs typeface="Segoe ui light"/>
+              </a:rPr>
+              <a:t>Must precede all other </a:t>
+            </a:r>
+            <a:r>
+              <a:rPr lang="en-US" sz="2400" smtClean="0">
+                <a:latin typeface="Segoe ui light"/>
+                <a:cs typeface="Segoe ui light"/>
+              </a:rPr>
+              <a:t>CSS rules!</a:t>
+            </a:r>
+            <a:endParaRPr lang="en-US" sz="1600" dirty="0" smtClean="0"/>
+          </a:p>
+          <a:p>
+            <a:endParaRPr lang="en-US" sz="2400" dirty="0" smtClean="0"/>
+          </a:p>
+          <a:p>
+            <a:endParaRPr lang="en-US" sz="2400" dirty="0"/>
           </a:p>
         </p:txBody>
       </p:sp>
     </p:spTree>
     <p:extLst>
       <p:ext uri="{BB962C8B-B14F-4D97-AF65-F5344CB8AC3E}">
-        <p14:creationId xmlns:p14="http://schemas.microsoft.com/office/powerpoint/2010/main" val="4277900486"/>
+        <p14:creationId xmlns:p14="http://schemas.microsoft.com/office/powerpoint/2010/main" val="3152358129"/>
       </p:ext>
     </p:extLst>
   </p:cSld>
@@ -4306,7 +4609,7 @@
   <p:timing>
     <p:tnLst>
       <p:par>
-        <p:cTn xmlns:p14="http://schemas.microsoft.com/office/powerpoint/2010/main" id="1" dur="indefinite" restart="never" nodeType="tmRoot"/>
+        <p:cTn id="1" dur="indefinite" restart="never" nodeType="tmRoot"/>
       </p:par>
     </p:tnLst>
   </p:timing>
@@ -4332,12 +4635,12 @@
       </p:grpSpPr>
       <p:sp>
         <p:nvSpPr>
-          <p:cNvPr id="5" name="Text Placeholder 4"/>
+          <p:cNvPr id="4" name="Title 3"/>
           <p:cNvSpPr>
             <a:spLocks noGrp="1"/>
           </p:cNvSpPr>
           <p:nvPr>
-            <p:ph type="body" sz="quarter" idx="10"/>
+            <p:ph type="title"/>
           </p:nvPr>
         </p:nvSpPr>
         <p:spPr/>
@@ -4346,27 +4649,9 @@
           <a:lstStyle/>
           <a:p>
             <a:r>
-              <a:rPr lang="en-US" dirty="0"/>
-              <a:t>Deciding and styling content</a:t>
-            </a:r>
-          </a:p>
-        </p:txBody>
-      </p:sp>
-      <p:sp>
-        <p:nvSpPr>
-          <p:cNvPr id="4" name="Subtitle 3"/>
-          <p:cNvSpPr>
-            <a:spLocks noGrp="1"/>
-          </p:cNvSpPr>
-          <p:nvPr>
-            <p:ph type="subTitle" idx="1"/>
-          </p:nvPr>
-        </p:nvSpPr>
-        <p:spPr/>
-        <p:txBody>
-          <a:bodyPr/>
-          <a:lstStyle/>
-          <a:p>
+              <a:rPr lang="en-US" dirty="0" smtClean="0"/>
+              <a:t>Creating queries</a:t>
+            </a:r>
             <a:endParaRPr lang="en-US" dirty="0"/>
           </a:p>
         </p:txBody>
@@ -4374,7 +4659,7 @@
     </p:spTree>
     <p:extLst>
       <p:ext uri="{BB962C8B-B14F-4D97-AF65-F5344CB8AC3E}">
-        <p14:creationId xmlns:p14="http://schemas.microsoft.com/office/powerpoint/2010/main" val="2589891639"/>
+        <p14:creationId xmlns:p14="http://schemas.microsoft.com/office/powerpoint/2010/main" val="4277900486"/>
       </p:ext>
     </p:extLst>
   </p:cSld>
@@ -4384,7 +4669,7 @@
   <p:timing>
     <p:tnLst>
       <p:par>
-        <p:cTn xmlns:p14="http://schemas.microsoft.com/office/powerpoint/2010/main" id="1" dur="indefinite" restart="never" nodeType="tmRoot"/>
+        <p:cTn id="1" dur="indefinite" restart="never" nodeType="tmRoot"/>
       </p:par>
     </p:tnLst>
   </p:timing>
@@ -4410,12 +4695,12 @@
       </p:grpSpPr>
       <p:sp>
         <p:nvSpPr>
-          <p:cNvPr id="2" name="Title 1"/>
+          <p:cNvPr id="5" name="Text Placeholder 4"/>
           <p:cNvSpPr>
             <a:spLocks noGrp="1"/>
           </p:cNvSpPr>
           <p:nvPr>
-            <p:ph type="title"/>
+            <p:ph type="body" sz="quarter" idx="10"/>
           </p:nvPr>
         </p:nvSpPr>
         <p:spPr/>
@@ -4424,58 +4709,26 @@
           <a:lstStyle/>
           <a:p>
             <a:r>
-              <a:rPr lang="en-US" dirty="0" smtClean="0"/>
+              <a:rPr lang="en-US" dirty="0"/>
               <a:t>Deciding and styling content</a:t>
             </a:r>
-            <a:endParaRPr lang="en-US" dirty="0"/>
-          </a:p>
-        </p:txBody>
-      </p:sp>
-      <p:sp>
-        <p:nvSpPr>
-          <p:cNvPr id="3" name="Content Placeholder 2"/>
+          </a:p>
+        </p:txBody>
+      </p:sp>
+      <p:sp>
+        <p:nvSpPr>
+          <p:cNvPr id="4" name="Subtitle 3"/>
           <p:cNvSpPr>
             <a:spLocks noGrp="1"/>
           </p:cNvSpPr>
           <p:nvPr>
-            <p:ph sz="quarter" idx="10"/>
+            <p:ph type="subTitle" idx="1"/>
           </p:nvPr>
         </p:nvSpPr>
         <p:spPr/>
         <p:txBody>
           <a:bodyPr/>
           <a:lstStyle/>
-          <a:p>
-            <a:r>
-              <a:rPr lang="en-US" dirty="0" smtClean="0"/>
-              <a:t>Decide on your breaking points</a:t>
-            </a:r>
-          </a:p>
-          <a:p>
-            <a:r>
-              <a:rPr lang="en-US" dirty="0" smtClean="0"/>
-              <a:t>Optimize your text (size and margins)</a:t>
-            </a:r>
-          </a:p>
-          <a:p>
-            <a:r>
-              <a:rPr lang="en-US" dirty="0" smtClean="0"/>
-              <a:t>Adjust touch targets</a:t>
-            </a:r>
-          </a:p>
-          <a:p>
-            <a:r>
-              <a:rPr lang="en-US" dirty="0" smtClean="0"/>
-              <a:t>Use relative sizing</a:t>
-            </a:r>
-          </a:p>
-          <a:p>
-            <a:pPr lvl="1"/>
-            <a:endParaRPr lang="en-US" dirty="0" smtClean="0"/>
-          </a:p>
-          <a:p>
-            <a:endParaRPr lang="en-US" dirty="0" smtClean="0"/>
-          </a:p>
           <a:p>
             <a:endParaRPr lang="en-US" dirty="0"/>
           </a:p>
@@ -4484,7 +4737,7 @@
     </p:spTree>
     <p:extLst>
       <p:ext uri="{BB962C8B-B14F-4D97-AF65-F5344CB8AC3E}">
-        <p14:creationId xmlns:p14="http://schemas.microsoft.com/office/powerpoint/2010/main" val="631310588"/>
+        <p14:creationId xmlns:p14="http://schemas.microsoft.com/office/powerpoint/2010/main" val="2589891639"/>
       </p:ext>
     </p:extLst>
   </p:cSld>
@@ -4494,7 +4747,7 @@
   <p:timing>
     <p:tnLst>
       <p:par>
-        <p:cTn xmlns:p14="http://schemas.microsoft.com/office/powerpoint/2010/main" id="1" dur="indefinite" restart="never" nodeType="tmRoot"/>
+        <p:cTn id="1" dur="indefinite" restart="never" nodeType="tmRoot"/>
       </p:par>
     </p:tnLst>
   </p:timing>
@@ -4520,7 +4773,7 @@
       </p:grpSpPr>
       <p:sp>
         <p:nvSpPr>
-          <p:cNvPr id="4" name="Title 3"/>
+          <p:cNvPr id="2" name="Title 1"/>
           <p:cNvSpPr>
             <a:spLocks noGrp="1"/>
           </p:cNvSpPr>
@@ -4535,11 +4788,117 @@
           <a:p>
             <a:r>
               <a:rPr lang="en-US" dirty="0" smtClean="0"/>
-              <a:t>Responsive </a:t>
-            </a:r>
+              <a:t>Deciding and styling content</a:t>
+            </a:r>
+            <a:endParaRPr lang="en-US" dirty="0"/>
+          </a:p>
+        </p:txBody>
+      </p:sp>
+      <p:sp>
+        <p:nvSpPr>
+          <p:cNvPr id="3" name="Content Placeholder 2"/>
+          <p:cNvSpPr>
+            <a:spLocks noGrp="1"/>
+          </p:cNvSpPr>
+          <p:nvPr>
+            <p:ph sz="quarter" idx="10"/>
+          </p:nvPr>
+        </p:nvSpPr>
+        <p:spPr/>
+        <p:txBody>
+          <a:bodyPr/>
+          <a:lstStyle/>
+          <a:p>
             <a:r>
               <a:rPr lang="en-US" dirty="0" smtClean="0"/>
-              <a:t>sites with media queries</a:t>
+              <a:t>Decide on your breaking points</a:t>
+            </a:r>
+          </a:p>
+          <a:p>
+            <a:r>
+              <a:rPr lang="en-US" dirty="0" smtClean="0"/>
+              <a:t>Optimize your text (size and margins)</a:t>
+            </a:r>
+          </a:p>
+          <a:p>
+            <a:r>
+              <a:rPr lang="en-US" dirty="0" smtClean="0"/>
+              <a:t>Adjust touch targets</a:t>
+            </a:r>
+          </a:p>
+          <a:p>
+            <a:r>
+              <a:rPr lang="en-US" dirty="0" smtClean="0"/>
+              <a:t>Use relative sizing</a:t>
+            </a:r>
+          </a:p>
+          <a:p>
+            <a:pPr lvl="1"/>
+            <a:endParaRPr lang="en-US" dirty="0" smtClean="0"/>
+          </a:p>
+          <a:p>
+            <a:endParaRPr lang="en-US" dirty="0" smtClean="0"/>
+          </a:p>
+          <a:p>
+            <a:endParaRPr lang="en-US" dirty="0"/>
+          </a:p>
+        </p:txBody>
+      </p:sp>
+    </p:spTree>
+    <p:extLst>
+      <p:ext uri="{BB962C8B-B14F-4D97-AF65-F5344CB8AC3E}">
+        <p14:creationId xmlns:p14="http://schemas.microsoft.com/office/powerpoint/2010/main" val="631310588"/>
+      </p:ext>
+    </p:extLst>
+  </p:cSld>
+  <p:clrMapOvr>
+    <a:masterClrMapping/>
+  </p:clrMapOvr>
+  <p:timing>
+    <p:tnLst>
+      <p:par>
+        <p:cTn id="1" dur="indefinite" restart="never" nodeType="tmRoot"/>
+      </p:par>
+    </p:tnLst>
+  </p:timing>
+</p:sld>
+</file>
+
+<file path=ppt/slides/slide14.xml><?xml version="1.0" encoding="utf-8"?>
+<p:sld xmlns:a="http://schemas.openxmlformats.org/drawingml/2006/main" xmlns:r="http://schemas.openxmlformats.org/officeDocument/2006/relationships" xmlns:p="http://schemas.openxmlformats.org/presentationml/2006/main">
+  <p:cSld>
+    <p:spTree>
+      <p:nvGrpSpPr>
+        <p:cNvPr id="1" name=""/>
+        <p:cNvGrpSpPr/>
+        <p:nvPr/>
+      </p:nvGrpSpPr>
+      <p:grpSpPr>
+        <a:xfrm>
+          <a:off x="0" y="0"/>
+          <a:ext cx="0" cy="0"/>
+          <a:chOff x="0" y="0"/>
+          <a:chExt cx="0" cy="0"/>
+        </a:xfrm>
+      </p:grpSpPr>
+      <p:sp>
+        <p:nvSpPr>
+          <p:cNvPr id="4" name="Title 3"/>
+          <p:cNvSpPr>
+            <a:spLocks noGrp="1"/>
+          </p:cNvSpPr>
+          <p:nvPr>
+            <p:ph type="title"/>
+          </p:nvPr>
+        </p:nvSpPr>
+        <p:spPr/>
+        <p:txBody>
+          <a:bodyPr/>
+          <a:lstStyle/>
+          <a:p>
+            <a:r>
+              <a:rPr lang="en-US" dirty="0" smtClean="0"/>
+              <a:t>Responsive sites with media queries</a:t>
             </a:r>
             <a:endParaRPr lang="en-US" dirty="0"/>
           </a:p>
@@ -4558,14 +4917,14 @@
   <p:timing>
     <p:tnLst>
       <p:par>
-        <p:cTn xmlns:p14="http://schemas.microsoft.com/office/powerpoint/2010/main" id="1" dur="indefinite" restart="never" nodeType="tmRoot"/>
+        <p:cTn id="1" dur="indefinite" restart="never" nodeType="tmRoot"/>
       </p:par>
     </p:tnLst>
   </p:timing>
 </p:sld>
 </file>
 
-<file path=ppt/slides/slide14.xml><?xml version="1.0" encoding="utf-8"?>
+<file path=ppt/slides/slide15.xml><?xml version="1.0" encoding="utf-8"?>
 <p:sld xmlns:a="http://schemas.openxmlformats.org/drawingml/2006/main" xmlns:r="http://schemas.openxmlformats.org/officeDocument/2006/relationships" xmlns:p="http://schemas.openxmlformats.org/presentationml/2006/main">
   <p:cSld>
     <p:spTree>
@@ -4595,7 +4954,7 @@
   <p:timing>
     <p:tnLst>
       <p:par>
-        <p:cTn xmlns:p14="http://schemas.microsoft.com/office/powerpoint/2010/main" id="1" dur="indefinite" restart="never" nodeType="tmRoot"/>
+        <p:cTn id="1" dur="indefinite" restart="never" nodeType="tmRoot"/>
       </p:par>
     </p:tnLst>
   </p:timing>
@@ -4694,7 +5053,7 @@
   <p:timing>
     <p:tnLst>
       <p:par>
-        <p:cTn xmlns:p14="http://schemas.microsoft.com/office/powerpoint/2010/main" id="1" dur="indefinite" restart="never" nodeType="tmRoot"/>
+        <p:cTn id="1" dur="indefinite" restart="never" nodeType="tmRoot"/>
       </p:par>
     </p:tnLst>
   </p:timing>
@@ -4773,7 +5132,7 @@
   <p:timing>
     <p:tnLst>
       <p:par>
-        <p:cTn xmlns:p14="http://schemas.microsoft.com/office/powerpoint/2010/main" id="1" dur="indefinite" restart="never" nodeType="tmRoot"/>
+        <p:cTn id="1" dur="indefinite" restart="never" nodeType="tmRoot"/>
       </p:par>
     </p:tnLst>
   </p:timing>
@@ -4909,7 +5268,7 @@
   <p:timing>
     <p:tnLst>
       <p:par>
-        <p:cTn xmlns:p14="http://schemas.microsoft.com/office/powerpoint/2010/main" id="1" dur="indefinite" restart="never" nodeType="tmRoot"/>
+        <p:cTn id="1" dur="indefinite" restart="never" nodeType="tmRoot"/>
       </p:par>
     </p:tnLst>
   </p:timing>
@@ -4973,11 +5332,7 @@
           <a:p>
             <a:r>
               <a:rPr lang="en-US" dirty="0" smtClean="0"/>
-              <a:t>Media </a:t>
-            </a:r>
-            <a:r>
-              <a:rPr lang="en-US" dirty="0" smtClean="0"/>
-              <a:t>Type</a:t>
+              <a:t>Media Type</a:t>
             </a:r>
           </a:p>
           <a:p>
@@ -4985,18 +5340,12 @@
               <a:rPr lang="en-US" dirty="0" smtClean="0"/>
               <a:t>Media Features</a:t>
             </a:r>
-            <a:endParaRPr lang="en-US" dirty="0" smtClean="0"/>
           </a:p>
           <a:p>
             <a:r>
               <a:rPr lang="en-US" dirty="0" smtClean="0"/>
-              <a:t>Logical </a:t>
-            </a:r>
-            <a:r>
-              <a:rPr lang="en-US" dirty="0" smtClean="0"/>
-              <a:t>Operators</a:t>
-            </a:r>
-            <a:endParaRPr lang="en-US" dirty="0" smtClean="0"/>
+              <a:t>Logical Operators</a:t>
+            </a:r>
           </a:p>
           <a:p>
             <a:endParaRPr lang="en-US" dirty="0" smtClean="0"/>
@@ -5019,7 +5368,7 @@
   <p:timing>
     <p:tnLst>
       <p:par>
-        <p:cTn xmlns:p14="http://schemas.microsoft.com/office/powerpoint/2010/main" id="1" dur="indefinite" restart="never" nodeType="tmRoot"/>
+        <p:cTn id="1" dur="indefinite" restart="never" nodeType="tmRoot"/>
       </p:par>
     </p:tnLst>
   </p:timing>
@@ -5145,7 +5494,6 @@
               <a:rPr lang="en-US" sz="2000" dirty="0" smtClean="0"/>
               <a:t>TV</a:t>
             </a:r>
-            <a:endParaRPr lang="en-US" sz="2000" dirty="0" smtClean="0"/>
           </a:p>
           <a:p>
             <a:endParaRPr lang="en-US" dirty="0"/>
@@ -5165,7 +5513,7 @@
   <p:timing>
     <p:tnLst>
       <p:par>
-        <p:cTn xmlns:p14="http://schemas.microsoft.com/office/powerpoint/2010/main" id="1" dur="indefinite" restart="never" nodeType="tmRoot"/>
+        <p:cTn id="1" dur="indefinite" restart="never" nodeType="tmRoot"/>
       </p:par>
     </p:tnLst>
   </p:timing>
@@ -5267,7 +5615,7 @@
           </a:p>
           <a:p>
             <a:r>
-              <a:rPr lang="en-US" sz="2000" dirty="0" smtClean="0"/>
+              <a:rPr lang="en-US" sz="2000" b="1" dirty="0" smtClean="0"/>
               <a:t>Aspect-ratio</a:t>
             </a:r>
           </a:p>
@@ -5344,7 +5692,7 @@
   <p:timing>
     <p:tnLst>
       <p:par>
-        <p:cTn xmlns:p14="http://schemas.microsoft.com/office/powerpoint/2010/main" id="1" dur="indefinite" restart="never" nodeType="tmRoot"/>
+        <p:cTn id="1" dur="indefinite" restart="never" nodeType="tmRoot"/>
       </p:par>
     </p:tnLst>
   </p:timing>
@@ -5453,7 +5801,7 @@
   <p:timing>
     <p:tnLst>
       <p:par>
-        <p:cTn xmlns:p14="http://schemas.microsoft.com/office/powerpoint/2010/main" id="1" dur="indefinite" restart="never" nodeType="tmRoot"/>
+        <p:cTn id="1" dur="indefinite" restart="never" nodeType="tmRoot"/>
       </p:par>
     </p:tnLst>
   </p:timing>
@@ -5528,7 +5876,58 @@
                 <a:latin typeface="Segoe ui light"/>
                 <a:cs typeface="Segoe ui light"/>
               </a:rPr>
-              <a:t>@media (min-width:500px) { ... </a:t>
+              <a:t>@</a:t>
+            </a:r>
+            <a:r>
+              <a:rPr lang="en-US" sz="2400" dirty="0">
+                <a:solidFill>
+                  <a:srgbClr val="FF0000"/>
+                </a:solidFill>
+                <a:latin typeface="Segoe ui light"/>
+                <a:cs typeface="Segoe ui light"/>
+              </a:rPr>
+              <a:t>media</a:t>
+            </a:r>
+            <a:r>
+              <a:rPr lang="en-US" sz="2400" dirty="0">
+                <a:latin typeface="Segoe ui light"/>
+                <a:cs typeface="Segoe ui light"/>
+              </a:rPr>
+              <a:t> (</a:t>
+            </a:r>
+            <a:r>
+              <a:rPr lang="en-US" sz="2400" dirty="0">
+                <a:solidFill>
+                  <a:schemeClr val="accent5"/>
+                </a:solidFill>
+                <a:latin typeface="Segoe ui light"/>
+                <a:cs typeface="Segoe ui light"/>
+              </a:rPr>
+              <a:t>min-width</a:t>
+            </a:r>
+            <a:r>
+              <a:rPr lang="en-US" sz="2400" dirty="0" smtClean="0">
+                <a:solidFill>
+                  <a:schemeClr val="accent5"/>
+                </a:solidFill>
+                <a:latin typeface="Segoe ui light"/>
+                <a:cs typeface="Segoe ui light"/>
+              </a:rPr>
+              <a:t>: </a:t>
+            </a:r>
+            <a:r>
+              <a:rPr lang="en-US" sz="2400" dirty="0" smtClean="0">
+                <a:latin typeface="Segoe ui light"/>
+                <a:cs typeface="Segoe ui light"/>
+              </a:rPr>
+              <a:t>500px</a:t>
+            </a:r>
+            <a:r>
+              <a:rPr lang="en-US" sz="2400" dirty="0">
+                <a:latin typeface="Segoe ui light"/>
+                <a:cs typeface="Segoe ui light"/>
+              </a:rPr>
+              <a:t>) { ... </a:t>
             </a:r>
             <a:r>
               <a:rPr lang="en-US" sz="2400" dirty="0" smtClean="0">
@@ -5579,7 +5978,58 @@
                 <a:latin typeface="Segoe ui light"/>
                 <a:cs typeface="Segoe ui light"/>
               </a:rPr>
-              <a:t>@media (min-width: 700px) and (max-width: 960px</a:t>
+              <a:t>@</a:t>
+            </a:r>
+            <a:r>
+              <a:rPr lang="en-US" sz="2400" dirty="0">
+                <a:solidFill>
+                  <a:srgbClr val="FF0000"/>
+                </a:solidFill>
+                <a:latin typeface="Segoe ui light"/>
+                <a:cs typeface="Segoe ui light"/>
+              </a:rPr>
+              <a:t>media</a:t>
+            </a:r>
+            <a:r>
+              <a:rPr lang="en-US" sz="2400" dirty="0">
+                <a:latin typeface="Segoe ui light"/>
+                <a:cs typeface="Segoe ui light"/>
+              </a:rPr>
+              <a:t> (</a:t>
+            </a:r>
+            <a:r>
+              <a:rPr lang="en-US" sz="2400" dirty="0">
+                <a:solidFill>
+                  <a:schemeClr val="accent5"/>
+                </a:solidFill>
+                <a:latin typeface="Segoe ui light"/>
+                <a:cs typeface="Segoe ui light"/>
+              </a:rPr>
+              <a:t>min-width</a:t>
+            </a:r>
+            <a:r>
+              <a:rPr lang="en-US" sz="2400" dirty="0">
+                <a:latin typeface="Segoe ui light"/>
+                <a:cs typeface="Segoe ui light"/>
+              </a:rPr>
+              <a:t>: 700px) and (</a:t>
+            </a:r>
+            <a:r>
+              <a:rPr lang="en-US" sz="2400" dirty="0">
+                <a:solidFill>
+                  <a:schemeClr val="accent5"/>
+                </a:solidFill>
+                <a:latin typeface="Segoe ui light"/>
+                <a:cs typeface="Segoe ui light"/>
+              </a:rPr>
+              <a:t>max-width</a:t>
+            </a:r>
+            <a:r>
+              <a:rPr lang="en-US" sz="2400" dirty="0">
+                <a:latin typeface="Segoe ui light"/>
+                <a:cs typeface="Segoe ui light"/>
+              </a:rPr>
+              <a:t>: 960px</a:t>
             </a:r>
             <a:r>
               <a:rPr lang="en-US" sz="2400" dirty="0" smtClean="0">
@@ -5630,7 +6080,58 @@
                 <a:latin typeface="Segoe ui light"/>
                 <a:cs typeface="Segoe ui light"/>
               </a:rPr>
-              <a:t>@media screen and not (device-aspect-ratio: 4/3) { ... </a:t>
+              <a:t>@</a:t>
+            </a:r>
+            <a:r>
+              <a:rPr lang="en-US" sz="2400" dirty="0">
+                <a:solidFill>
+                  <a:srgbClr val="FF0000"/>
+                </a:solidFill>
+                <a:latin typeface="Segoe ui light"/>
+                <a:cs typeface="Segoe ui light"/>
+              </a:rPr>
+              <a:t>media</a:t>
+            </a:r>
+            <a:r>
+              <a:rPr lang="en-US" sz="2400" dirty="0">
+                <a:latin typeface="Segoe ui light"/>
+                <a:cs typeface="Segoe ui light"/>
+              </a:rPr>
+              <a:t> </a:t>
+            </a:r>
+            <a:r>
+              <a:rPr lang="en-US" sz="2400" dirty="0">
+                <a:solidFill>
+                  <a:schemeClr val="accent5"/>
+                </a:solidFill>
+                <a:latin typeface="Segoe ui light"/>
+                <a:cs typeface="Segoe ui light"/>
+              </a:rPr>
+              <a:t>screen</a:t>
+            </a:r>
+            <a:r>
+              <a:rPr lang="en-US" sz="2400" dirty="0">
+                <a:latin typeface="Segoe ui light"/>
+                <a:cs typeface="Segoe ui light"/>
+              </a:rPr>
+              <a:t> and not (</a:t>
+            </a:r>
+            <a:r>
+              <a:rPr lang="en-US" sz="2400" dirty="0">
+                <a:solidFill>
+                  <a:schemeClr val="accent5"/>
+                </a:solidFill>
+                <a:latin typeface="Segoe ui light"/>
+                <a:cs typeface="Segoe ui light"/>
+              </a:rPr>
+              <a:t>device-aspect-ratio</a:t>
+            </a:r>
+            <a:r>
+              <a:rPr lang="en-US" sz="2400" dirty="0">
+                <a:latin typeface="Segoe ui light"/>
+                <a:cs typeface="Segoe ui light"/>
+              </a:rPr>
+              <a:t>: 4/3) { ... </a:t>
             </a:r>
             <a:r>
               <a:rPr lang="en-US" sz="2400" dirty="0" smtClean="0">
@@ -5677,7 +6178,92 @@
                 <a:latin typeface="Segoe ui light"/>
                 <a:cs typeface="Segoe ui light"/>
               </a:rPr>
-              <a:t>@media screen and (device-aspect-ratio: 16/9), screen and (device-aspect-ratio: 16/10) { ... }</a:t>
+              <a:t>@</a:t>
+            </a:r>
+            <a:r>
+              <a:rPr lang="en-US" sz="2400" dirty="0">
+                <a:solidFill>
+                  <a:srgbClr val="FF0000"/>
+                </a:solidFill>
+                <a:latin typeface="Segoe ui light"/>
+                <a:cs typeface="Segoe ui light"/>
+              </a:rPr>
+              <a:t>media</a:t>
+            </a:r>
+            <a:r>
+              <a:rPr lang="en-US" sz="2400" dirty="0">
+                <a:latin typeface="Segoe ui light"/>
+                <a:cs typeface="Segoe ui light"/>
+              </a:rPr>
+              <a:t> </a:t>
+            </a:r>
+            <a:r>
+              <a:rPr lang="en-US" sz="2400" dirty="0">
+                <a:solidFill>
+                  <a:schemeClr val="accent5"/>
+                </a:solidFill>
+                <a:latin typeface="Segoe ui light"/>
+                <a:cs typeface="Segoe ui light"/>
+              </a:rPr>
+              <a:t>screen</a:t>
+            </a:r>
+            <a:r>
+              <a:rPr lang="en-US" sz="2400" dirty="0">
+                <a:latin typeface="Segoe ui light"/>
+                <a:cs typeface="Segoe ui light"/>
+              </a:rPr>
+              <a:t> and (</a:t>
+            </a:r>
+            <a:r>
+              <a:rPr lang="en-US" sz="2400" dirty="0">
+                <a:solidFill>
+                  <a:schemeClr val="accent5"/>
+                </a:solidFill>
+                <a:latin typeface="Segoe ui light"/>
+                <a:cs typeface="Segoe ui light"/>
+              </a:rPr>
+              <a:t>device-aspect-ratio</a:t>
+            </a:r>
+            <a:r>
+              <a:rPr lang="en-US" sz="2400" dirty="0">
+                <a:latin typeface="Segoe ui light"/>
+                <a:cs typeface="Segoe ui light"/>
+              </a:rPr>
+              <a:t>: 16/9), </a:t>
+            </a:r>
+            <a:r>
+              <a:rPr lang="en-US" sz="2400" dirty="0">
+                <a:solidFill>
+                  <a:schemeClr val="accent5"/>
+                </a:solidFill>
+                <a:latin typeface="Segoe ui light"/>
+                <a:cs typeface="Segoe ui light"/>
+              </a:rPr>
+              <a:t>screen</a:t>
+            </a:r>
+            <a:r>
+              <a:rPr lang="en-US" sz="2400" dirty="0">
+                <a:latin typeface="Segoe ui light"/>
+                <a:cs typeface="Segoe ui light"/>
+              </a:rPr>
+              <a:t> and (</a:t>
+            </a:r>
+            <a:r>
+              <a:rPr lang="en-US" sz="2400" dirty="0">
+                <a:solidFill>
+                  <a:schemeClr val="accent5"/>
+                </a:solidFill>
+                <a:latin typeface="Segoe ui light"/>
+                <a:cs typeface="Segoe ui light"/>
+              </a:rPr>
+              <a:t>device-aspect-ratio</a:t>
+            </a:r>
+            <a:r>
+              <a:rPr lang="en-US" sz="2400" dirty="0">
+                <a:latin typeface="Segoe ui light"/>
+                <a:cs typeface="Segoe ui light"/>
+              </a:rPr>
+              <a:t>: 16/10) { ... }</a:t>
             </a:r>
           </a:p>
           <a:p>
@@ -5688,7 +6274,6 @@
               <a:rPr lang="en-US" sz="2400" dirty="0" smtClean="0"/>
               <a:t>	device aspect ratio is 16:9 or 16:10</a:t>
             </a:r>
-            <a:endParaRPr lang="en-US" sz="2400" dirty="0" smtClean="0"/>
           </a:p>
           <a:p>
             <a:endParaRPr lang="en-US" sz="2400" dirty="0" smtClean="0"/>
@@ -5714,7 +6299,7 @@
   <p:timing>
     <p:tnLst>
       <p:par>
-        <p:cTn xmlns:p14="http://schemas.microsoft.com/office/powerpoint/2010/main" id="1" dur="indefinite" restart="never" nodeType="tmRoot"/>
+        <p:cTn id="1" dur="indefinite" restart="never" nodeType="tmRoot"/>
       </p:par>
     </p:tnLst>
   </p:timing>
@@ -6261,7 +6846,7 @@
   <a:extraClrSchemeLst/>
   <a:extLst>
     <a:ext uri="{05A4C25C-085E-4340-85A3-A5531E510DB2}">
-      <thm15:themeFamily xmlns="" xmlns:thm15="http://schemas.microsoft.com/office/thememl/2012/main" name="Office Theme" id="{62F939B6-93AF-4DB8-9C6B-D6C7DFDC589F}" vid="{4A3C46E8-61CC-4603-A589-7422A47A8E4A}"/>
+      <thm15:themeFamily xmlns:thm15="http://schemas.microsoft.com/office/thememl/2012/main" name="Office Theme" id="{62F939B6-93AF-4DB8-9C6B-D6C7DFDC589F}" vid="{4A3C46E8-61CC-4603-A589-7422A47A8E4A}"/>
     </a:ext>
   </a:extLst>
 </a:theme>
@@ -6522,13 +7107,28 @@
   <a:extraClrSchemeLst/>
   <a:extLst>
     <a:ext uri="{05A4C25C-085E-4340-85A3-A5531E510DB2}">
-      <thm15:themeFamily xmlns="" xmlns:thm15="http://schemas.microsoft.com/office/thememl/2012/main" name="Office Theme" id="{62F939B6-93AF-4DB8-9C6B-D6C7DFDC589F}" vid="{4A3C46E8-61CC-4603-A589-7422A47A8E4A}"/>
+      <thm15:themeFamily xmlns:thm15="http://schemas.microsoft.com/office/thememl/2012/main" name="Office Theme" id="{62F939B6-93AF-4DB8-9C6B-D6C7DFDC589F}" vid="{4A3C46E8-61CC-4603-A589-7422A47A8E4A}"/>
     </a:ext>
   </a:extLst>
 </a:theme>
 </file>
 
 <file path=customXml/item1.xml><?xml version="1.0" encoding="utf-8"?>
+<p:properties xmlns:p="http://schemas.microsoft.com/office/2006/metadata/properties" xmlns:xsi="http://www.w3.org/2001/XMLSchema-instance" xmlns:pc="http://schemas.microsoft.com/office/infopath/2007/PartnerControls">
+  <documentManagement/>
+</p:properties>
+</file>
+
+<file path=customXml/item2.xml><?xml version="1.0" encoding="utf-8"?>
+<?mso-contentType ?>
+<FormTemplates xmlns="http://schemas.microsoft.com/sharepoint/v3/contenttype/forms">
+  <Display>DocumentLibraryForm</Display>
+  <Edit>DocumentLibraryForm</Edit>
+  <New>DocumentLibraryForm</New>
+</FormTemplates>
+</file>
+
+<file path=customXml/item3.xml><?xml version="1.0" encoding="utf-8"?>
 <ct:contentTypeSchema xmlns:ct="http://schemas.microsoft.com/office/2006/metadata/contentType" xmlns:ma="http://schemas.microsoft.com/office/2006/metadata/properties/metaAttributes" ct:_="" ma:_="" ma:contentTypeName="Document" ma:contentTypeID="0x0101003950112AD8B795438BF76DC29E37E368" ma:contentTypeVersion="1" ma:contentTypeDescription="Create a new document." ma:contentTypeScope="" ma:versionID="ab64a1350ae4601b1700e84aab503654">
   <xsd:schema xmlns:xsd="http://www.w3.org/2001/XMLSchema" xmlns:xs="http://www.w3.org/2001/XMLSchema" xmlns:p="http://schemas.microsoft.com/office/2006/metadata/properties" xmlns:ns3="40f62f3d-88fb-416f-8aeb-e1a0b982e955" targetNamespace="http://schemas.microsoft.com/office/2006/metadata/properties" ma:root="true" ma:fieldsID="f35b2b2bf5bbfa784ec62d29f705a4d5" ns3:_="">
     <xsd:import namespace="40f62f3d-88fb-416f-8aeb-e1a0b982e955"/>
@@ -6668,22 +7268,31 @@
 </ct:contentTypeSchema>
 </file>
 
-<file path=customXml/item2.xml><?xml version="1.0" encoding="utf-8"?>
-<p:properties xmlns:p="http://schemas.microsoft.com/office/2006/metadata/properties" xmlns:xsi="http://www.w3.org/2001/XMLSchema-instance" xmlns:pc="http://schemas.microsoft.com/office/infopath/2007/PartnerControls">
-  <documentManagement/>
-</p:properties>
+<file path=customXml/itemProps1.xml><?xml version="1.0" encoding="utf-8"?>
+<ds:datastoreItem xmlns:ds="http://schemas.openxmlformats.org/officeDocument/2006/customXml" ds:itemID="{7025FDD9-4C58-4084-9F89-0E6ADD6FFF55}">
+  <ds:schemaRefs>
+    <ds:schemaRef ds:uri="http://purl.org/dc/elements/1.1/"/>
+    <ds:schemaRef ds:uri="http://schemas.microsoft.com/office/2006/metadata/properties"/>
+    <ds:schemaRef ds:uri="http://purl.org/dc/terms/"/>
+    <ds:schemaRef ds:uri="http://schemas.openxmlformats.org/package/2006/metadata/core-properties"/>
+    <ds:schemaRef ds:uri="http://schemas.microsoft.com/office/2006/documentManagement/types"/>
+    <ds:schemaRef ds:uri="http://schemas.microsoft.com/office/infopath/2007/PartnerControls"/>
+    <ds:schemaRef ds:uri="40f62f3d-88fb-416f-8aeb-e1a0b982e955"/>
+    <ds:schemaRef ds:uri="http://www.w3.org/XML/1998/namespace"/>
+    <ds:schemaRef ds:uri="http://purl.org/dc/dcmitype/"/>
+  </ds:schemaRefs>
+</ds:datastoreItem>
 </file>
 
-<file path=customXml/item3.xml><?xml version="1.0" encoding="utf-8"?>
-<?mso-contentType ?>
-<FormTemplates xmlns="http://schemas.microsoft.com/sharepoint/v3/contenttype/forms">
-  <Display>DocumentLibraryForm</Display>
-  <Edit>DocumentLibraryForm</Edit>
-  <New>DocumentLibraryForm</New>
-</FormTemplates>
+<file path=customXml/itemProps2.xml><?xml version="1.0" encoding="utf-8"?>
+<ds:datastoreItem xmlns:ds="http://schemas.openxmlformats.org/officeDocument/2006/customXml" ds:itemID="{B0CA13EC-1D3C-4D6F-8D1C-E8A452CFC79A}">
+  <ds:schemaRefs>
+    <ds:schemaRef ds:uri="http://schemas.microsoft.com/sharepoint/v3/contenttype/forms"/>
+  </ds:schemaRefs>
+</ds:datastoreItem>
 </file>
 
-<file path=customXml/itemProps1.xml><?xml version="1.0" encoding="utf-8"?>
+<file path=customXml/itemProps3.xml><?xml version="1.0" encoding="utf-8"?>
 <ds:datastoreItem xmlns:ds="http://schemas.openxmlformats.org/officeDocument/2006/customXml" ds:itemID="{B3568497-C095-4F98-82BE-21A944C27C1E}">
   <ds:schemaRefs>
     <ds:schemaRef ds:uri="http://schemas.microsoft.com/office/2006/metadata/contentType"/>
@@ -6699,28 +7308,4 @@
     <ds:schemaRef ds:uri="http://schemas.microsoft.com/internal/obd"/>
   </ds:schemaRefs>
 </ds:datastoreItem>
-</file>
-
-<file path=customXml/itemProps2.xml><?xml version="1.0" encoding="utf-8"?>
-<ds:datastoreItem xmlns:ds="http://schemas.openxmlformats.org/officeDocument/2006/customXml" ds:itemID="{7025FDD9-4C58-4084-9F89-0E6ADD6FFF55}">
-  <ds:schemaRefs>
-    <ds:schemaRef ds:uri="http://purl.org/dc/elements/1.1/"/>
-    <ds:schemaRef ds:uri="http://schemas.microsoft.com/office/2006/metadata/properties"/>
-    <ds:schemaRef ds:uri="http://purl.org/dc/terms/"/>
-    <ds:schemaRef ds:uri="http://schemas.openxmlformats.org/package/2006/metadata/core-properties"/>
-    <ds:schemaRef ds:uri="http://schemas.microsoft.com/office/2006/documentManagement/types"/>
-    <ds:schemaRef ds:uri="http://schemas.microsoft.com/office/infopath/2007/PartnerControls"/>
-    <ds:schemaRef ds:uri="40f62f3d-88fb-416f-8aeb-e1a0b982e955"/>
-    <ds:schemaRef ds:uri="http://www.w3.org/XML/1998/namespace"/>
-    <ds:schemaRef ds:uri="http://purl.org/dc/dcmitype/"/>
-  </ds:schemaRefs>
-</ds:datastoreItem>
-</file>
-
-<file path=customXml/itemProps3.xml><?xml version="1.0" encoding="utf-8"?>
-<ds:datastoreItem xmlns:ds="http://schemas.openxmlformats.org/officeDocument/2006/customXml" ds:itemID="{B0CA13EC-1D3C-4D6F-8D1C-E8A452CFC79A}">
-  <ds:schemaRefs>
-    <ds:schemaRef ds:uri="http://schemas.microsoft.com/sharepoint/v3/contenttype/forms"/>
-  </ds:schemaRefs>
-</ds:datastoreItem>
 </file>